--- a/Leçon chimie/LC 27/LC27 - Solubilité .pptx
+++ b/Leçon chimie/LC 27/LC27 - Solubilité .pptx
@@ -5,7 +5,7 @@
     <p:sldMasterId id="2147483648" r:id="rId1"/>
   </p:sldMasterIdLst>
   <p:notesMasterIdLst>
-    <p:notesMasterId r:id="rId12"/>
+    <p:notesMasterId r:id="rId13"/>
   </p:notesMasterIdLst>
   <p:sldIdLst>
     <p:sldId id="256" r:id="rId2"/>
@@ -13,11 +13,12 @@
     <p:sldId id="258" r:id="rId4"/>
     <p:sldId id="259" r:id="rId5"/>
     <p:sldId id="265" r:id="rId6"/>
-    <p:sldId id="266" r:id="rId7"/>
-    <p:sldId id="263" r:id="rId8"/>
-    <p:sldId id="260" r:id="rId9"/>
-    <p:sldId id="264" r:id="rId10"/>
-    <p:sldId id="262" r:id="rId11"/>
+    <p:sldId id="267" r:id="rId7"/>
+    <p:sldId id="266" r:id="rId8"/>
+    <p:sldId id="263" r:id="rId9"/>
+    <p:sldId id="260" r:id="rId10"/>
+    <p:sldId id="264" r:id="rId11"/>
+    <p:sldId id="262" r:id="rId12"/>
   </p:sldIdLst>
   <p:sldSz cx="9144000" cy="6858000" type="screen4x3"/>
   <p:notesSz cx="6858000" cy="9144000"/>
@@ -201,7 +202,7 @@
           <a:p>
             <a:fld id="{2AB5F492-2041-B34E-8173-BFEA3E3502D0}" type="datetimeFigureOut">
               <a:rPr lang="fr-FR" smtClean="0"/>
-              <a:t>26/05/20</a:t>
+              <a:t>22/06/20</a:t>
             </a:fld>
             <a:endParaRPr lang="fr-FR"/>
           </a:p>
@@ -534,7 +535,7 @@
           <a:p>
             <a:fld id="{3186A0D9-9E21-F042-914A-E5E81C8B3FE1}" type="slidenum">
               <a:rPr lang="fr-FR" smtClean="0"/>
-              <a:t>8</a:t>
+              <a:t>9</a:t>
             </a:fld>
             <a:endParaRPr lang="fr-FR"/>
           </a:p>
@@ -734,7 +735,7 @@
           <a:p>
             <a:fld id="{97E1C215-69B1-4289-8E54-8813B9AAA70A}" type="datetimeFigureOut">
               <a:rPr lang="fr-FR" smtClean="0"/>
-              <a:t>26/05/20</a:t>
+              <a:t>22/06/20</a:t>
             </a:fld>
             <a:endParaRPr lang="fr-FR"/>
           </a:p>
@@ -899,7 +900,7 @@
           <a:p>
             <a:fld id="{97E1C215-69B1-4289-8E54-8813B9AAA70A}" type="datetimeFigureOut">
               <a:rPr lang="fr-FR" smtClean="0"/>
-              <a:t>26/05/20</a:t>
+              <a:t>22/06/20</a:t>
             </a:fld>
             <a:endParaRPr lang="fr-FR"/>
           </a:p>
@@ -1074,7 +1075,7 @@
           <a:p>
             <a:fld id="{97E1C215-69B1-4289-8E54-8813B9AAA70A}" type="datetimeFigureOut">
               <a:rPr lang="fr-FR" smtClean="0"/>
-              <a:t>26/05/20</a:t>
+              <a:t>22/06/20</a:t>
             </a:fld>
             <a:endParaRPr lang="fr-FR"/>
           </a:p>
@@ -1239,7 +1240,7 @@
           <a:p>
             <a:fld id="{97E1C215-69B1-4289-8E54-8813B9AAA70A}" type="datetimeFigureOut">
               <a:rPr lang="fr-FR" smtClean="0"/>
-              <a:t>26/05/20</a:t>
+              <a:t>22/06/20</a:t>
             </a:fld>
             <a:endParaRPr lang="fr-FR"/>
           </a:p>
@@ -1480,7 +1481,7 @@
           <a:p>
             <a:fld id="{97E1C215-69B1-4289-8E54-8813B9AAA70A}" type="datetimeFigureOut">
               <a:rPr lang="fr-FR" smtClean="0"/>
-              <a:t>26/05/20</a:t>
+              <a:t>22/06/20</a:t>
             </a:fld>
             <a:endParaRPr lang="fr-FR"/>
           </a:p>
@@ -1763,7 +1764,7 @@
           <a:p>
             <a:fld id="{97E1C215-69B1-4289-8E54-8813B9AAA70A}" type="datetimeFigureOut">
               <a:rPr lang="fr-FR" smtClean="0"/>
-              <a:t>26/05/20</a:t>
+              <a:t>22/06/20</a:t>
             </a:fld>
             <a:endParaRPr lang="fr-FR"/>
           </a:p>
@@ -2180,7 +2181,7 @@
           <a:p>
             <a:fld id="{97E1C215-69B1-4289-8E54-8813B9AAA70A}" type="datetimeFigureOut">
               <a:rPr lang="fr-FR" smtClean="0"/>
-              <a:t>26/05/20</a:t>
+              <a:t>22/06/20</a:t>
             </a:fld>
             <a:endParaRPr lang="fr-FR"/>
           </a:p>
@@ -2293,7 +2294,7 @@
           <a:p>
             <a:fld id="{97E1C215-69B1-4289-8E54-8813B9AAA70A}" type="datetimeFigureOut">
               <a:rPr lang="fr-FR" smtClean="0"/>
-              <a:t>26/05/20</a:t>
+              <a:t>22/06/20</a:t>
             </a:fld>
             <a:endParaRPr lang="fr-FR"/>
           </a:p>
@@ -2383,7 +2384,7 @@
           <a:p>
             <a:fld id="{97E1C215-69B1-4289-8E54-8813B9AAA70A}" type="datetimeFigureOut">
               <a:rPr lang="fr-FR" smtClean="0"/>
-              <a:t>26/05/20</a:t>
+              <a:t>22/06/20</a:t>
             </a:fld>
             <a:endParaRPr lang="fr-FR"/>
           </a:p>
@@ -2655,7 +2656,7 @@
           <a:p>
             <a:fld id="{97E1C215-69B1-4289-8E54-8813B9AAA70A}" type="datetimeFigureOut">
               <a:rPr lang="fr-FR" smtClean="0"/>
-              <a:t>26/05/20</a:t>
+              <a:t>22/06/20</a:t>
             </a:fld>
             <a:endParaRPr lang="fr-FR"/>
           </a:p>
@@ -2903,7 +2904,7 @@
           <a:p>
             <a:fld id="{97E1C215-69B1-4289-8E54-8813B9AAA70A}" type="datetimeFigureOut">
               <a:rPr lang="fr-FR" smtClean="0"/>
-              <a:t>26/05/20</a:t>
+              <a:t>22/06/20</a:t>
             </a:fld>
             <a:endParaRPr lang="fr-FR"/>
           </a:p>
@@ -3111,7 +3112,7 @@
           <a:p>
             <a:fld id="{97E1C215-69B1-4289-8E54-8813B9AAA70A}" type="datetimeFigureOut">
               <a:rPr lang="fr-FR" smtClean="0"/>
-              <a:t>26/05/20</a:t>
+              <a:t>22/06/20</a:t>
             </a:fld>
             <a:endParaRPr lang="fr-FR"/>
           </a:p>
@@ -3584,6 +3585,310 @@
 </file>
 
 <file path=ppt/slides/slide10.xml><?xml version="1.0" encoding="utf-8"?>
+<p:sld xmlns:a="http://schemas.openxmlformats.org/drawingml/2006/main" xmlns:r="http://schemas.openxmlformats.org/officeDocument/2006/relationships" xmlns:p="http://schemas.openxmlformats.org/presentationml/2006/main">
+  <p:cSld>
+    <p:spTree>
+      <p:nvGrpSpPr>
+        <p:cNvPr id="1" name=""/>
+        <p:cNvGrpSpPr/>
+        <p:nvPr/>
+      </p:nvGrpSpPr>
+      <p:grpSpPr>
+        <a:xfrm>
+          <a:off x="0" y="0"/>
+          <a:ext cx="0" cy="0"/>
+          <a:chOff x="0" y="0"/>
+          <a:chExt cx="0" cy="0"/>
+        </a:xfrm>
+      </p:grpSpPr>
+      <p:sp>
+        <p:nvSpPr>
+          <p:cNvPr id="4" name="Rectangle 3">
+            <a:extLst>
+              <a:ext uri="{FF2B5EF4-FFF2-40B4-BE49-F238E27FC236}">
+                <a16:creationId xmlns="" xmlns:a16="http://schemas.microsoft.com/office/drawing/2014/main" id="{7BA93292-D737-4203-B599-CF1A73B3CCEA}"/>
+              </a:ext>
+            </a:extLst>
+          </p:cNvPr>
+          <p:cNvSpPr/>
+          <p:nvPr/>
+        </p:nvSpPr>
+        <p:spPr>
+          <a:xfrm>
+            <a:off x="1665575" y="3140968"/>
+            <a:ext cx="170121" cy="1446028"/>
+          </a:xfrm>
+          <a:prstGeom prst="rect">
+            <a:avLst/>
+          </a:prstGeom>
+          <a:solidFill>
+            <a:schemeClr val="bg1"/>
+          </a:solidFill>
+          <a:ln>
+            <a:noFill/>
+          </a:ln>
+        </p:spPr>
+        <p:style>
+          <a:lnRef idx="2">
+            <a:schemeClr val="accent1">
+              <a:shade val="50000"/>
+            </a:schemeClr>
+          </a:lnRef>
+          <a:fillRef idx="1">
+            <a:schemeClr val="accent1"/>
+          </a:fillRef>
+          <a:effectRef idx="0">
+            <a:schemeClr val="accent1"/>
+          </a:effectRef>
+          <a:fontRef idx="minor">
+            <a:schemeClr val="lt1"/>
+          </a:fontRef>
+        </p:style>
+        <p:txBody>
+          <a:bodyPr rtlCol="0" anchor="ctr"/>
+          <a:lstStyle/>
+          <a:p>
+            <a:pPr algn="ctr"/>
+            <a:endParaRPr lang="fr-FR"/>
+          </a:p>
+        </p:txBody>
+      </p:sp>
+      <p:sp>
+        <p:nvSpPr>
+          <p:cNvPr id="11" name="Titre 1"/>
+          <p:cNvSpPr>
+            <a:spLocks noGrp="1"/>
+          </p:cNvSpPr>
+          <p:nvPr>
+            <p:ph type="title"/>
+          </p:nvPr>
+        </p:nvSpPr>
+        <p:spPr>
+          <a:xfrm>
+            <a:off x="0" y="188640"/>
+            <a:ext cx="9144000" cy="634082"/>
+          </a:xfrm>
+        </p:spPr>
+        <p:txBody>
+          <a:bodyPr>
+            <a:normAutofit fontScale="90000"/>
+          </a:bodyPr>
+          <a:lstStyle/>
+          <a:p>
+            <a:r>
+              <a:rPr lang="fr-FR" dirty="0" smtClean="0">
+                <a:solidFill>
+                  <a:schemeClr val="accent2">
+                    <a:lumMod val="75000"/>
+                  </a:schemeClr>
+                </a:solidFill>
+              </a:rPr>
+              <a:t>pH de l’eau de mer</a:t>
+            </a:r>
+            <a:endParaRPr lang="fr-FR" dirty="0">
+              <a:solidFill>
+                <a:schemeClr val="accent2">
+                  <a:lumMod val="75000"/>
+                </a:schemeClr>
+              </a:solidFill>
+            </a:endParaRPr>
+          </a:p>
+        </p:txBody>
+      </p:sp>
+      <p:pic>
+        <p:nvPicPr>
+          <p:cNvPr id="3" name="Image 2" descr="Capture d’écran 2020-06-22 à 21.41.13.png"/>
+          <p:cNvPicPr>
+            <a:picLocks noChangeAspect="1"/>
+          </p:cNvPicPr>
+          <p:nvPr/>
+        </p:nvPicPr>
+        <p:blipFill>
+          <a:blip r:embed="rId2">
+            <a:extLst>
+              <a:ext uri="{28A0092B-C50C-407E-A947-70E740481C1C}">
+                <a14:useLocalDpi xmlns:a14="http://schemas.microsoft.com/office/drawing/2010/main" val="0"/>
+              </a:ext>
+            </a:extLst>
+          </a:blip>
+          <a:stretch>
+            <a:fillRect/>
+          </a:stretch>
+        </p:blipFill>
+        <p:spPr>
+          <a:xfrm>
+            <a:off x="1259632" y="1196752"/>
+            <a:ext cx="6336704" cy="5300145"/>
+          </a:xfrm>
+          <a:prstGeom prst="rect">
+            <a:avLst/>
+          </a:prstGeom>
+        </p:spPr>
+      </p:pic>
+      <p:cxnSp>
+        <p:nvCxnSpPr>
+          <p:cNvPr id="8" name="Connecteur droit avec flèche 7">
+            <a:extLst>
+              <a:ext uri="{FF2B5EF4-FFF2-40B4-BE49-F238E27FC236}">
+                <a16:creationId xmlns="" xmlns:a16="http://schemas.microsoft.com/office/drawing/2014/main" id="{090B5CB9-E5B5-4C87-8C4D-AAC3A7A581D1}"/>
+              </a:ext>
+            </a:extLst>
+          </p:cNvPr>
+          <p:cNvCxnSpPr/>
+          <p:nvPr/>
+        </p:nvCxnSpPr>
+        <p:spPr>
+          <a:xfrm flipH="1">
+            <a:off x="4120654" y="3785191"/>
+            <a:ext cx="424559" cy="0"/>
+          </a:xfrm>
+          <a:prstGeom prst="straightConnector1">
+            <a:avLst/>
+          </a:prstGeom>
+          <a:ln>
+            <a:solidFill>
+              <a:srgbClr val="000000"/>
+            </a:solidFill>
+            <a:tailEnd type="triangle"/>
+          </a:ln>
+        </p:spPr>
+        <p:style>
+          <a:lnRef idx="1">
+            <a:schemeClr val="accent1"/>
+          </a:lnRef>
+          <a:fillRef idx="0">
+            <a:schemeClr val="accent1"/>
+          </a:fillRef>
+          <a:effectRef idx="0">
+            <a:schemeClr val="accent1"/>
+          </a:effectRef>
+          <a:fontRef idx="minor">
+            <a:schemeClr val="tx1"/>
+          </a:fontRef>
+        </p:style>
+      </p:cxnSp>
+      <p:sp>
+        <p:nvSpPr>
+          <p:cNvPr id="9" name="ZoneTexte 8">
+            <a:extLst>
+              <a:ext uri="{FF2B5EF4-FFF2-40B4-BE49-F238E27FC236}">
+                <a16:creationId xmlns="" xmlns:a16="http://schemas.microsoft.com/office/drawing/2014/main" id="{2330EFC9-B8B5-4AD3-B897-B22E63045650}"/>
+              </a:ext>
+            </a:extLst>
+          </p:cNvPr>
+          <p:cNvSpPr txBox="1"/>
+          <p:nvPr/>
+        </p:nvSpPr>
+        <p:spPr>
+          <a:xfrm>
+            <a:off x="3059832" y="3356992"/>
+            <a:ext cx="1403497" cy="369332"/>
+          </a:xfrm>
+          <a:prstGeom prst="rect">
+            <a:avLst/>
+          </a:prstGeom>
+          <a:noFill/>
+        </p:spPr>
+        <p:txBody>
+          <a:bodyPr wrap="square" rtlCol="0">
+            <a:spAutoFit/>
+          </a:bodyPr>
+          <a:lstStyle/>
+          <a:p>
+            <a:r>
+              <a:rPr lang="fr-FR" dirty="0"/>
+              <a:t>Acidification</a:t>
+            </a:r>
+          </a:p>
+        </p:txBody>
+      </p:sp>
+      <p:sp>
+        <p:nvSpPr>
+          <p:cNvPr id="7" name="ZoneTexte 6">
+            <a:extLst>
+              <a:ext uri="{FF2B5EF4-FFF2-40B4-BE49-F238E27FC236}">
+                <a16:creationId xmlns="" xmlns:a16="http://schemas.microsoft.com/office/drawing/2014/main" id="{72F5124C-E5D4-4934-9043-6EEC2339E01F}"/>
+              </a:ext>
+            </a:extLst>
+          </p:cNvPr>
+          <p:cNvSpPr txBox="1"/>
+          <p:nvPr/>
+        </p:nvSpPr>
+        <p:spPr>
+          <a:xfrm rot="16200000">
+            <a:off x="-205283" y="3741787"/>
+            <a:ext cx="3268384" cy="338554"/>
+          </a:xfrm>
+          <a:prstGeom prst="rect">
+            <a:avLst/>
+          </a:prstGeom>
+          <a:solidFill>
+            <a:schemeClr val="bg1"/>
+          </a:solidFill>
+        </p:spPr>
+        <p:txBody>
+          <a:bodyPr wrap="square" rtlCol="0">
+            <a:spAutoFit/>
+          </a:bodyPr>
+          <a:lstStyle/>
+          <a:p>
+            <a:r>
+              <a:rPr lang="fr-FR" sz="1600" dirty="0"/>
+              <a:t>Pourcentage de l’espèce considérée</a:t>
+            </a:r>
+          </a:p>
+        </p:txBody>
+      </p:sp>
+      <p:cxnSp>
+        <p:nvCxnSpPr>
+          <p:cNvPr id="6" name="Connecteur droit 5"/>
+          <p:cNvCxnSpPr/>
+          <p:nvPr/>
+        </p:nvCxnSpPr>
+        <p:spPr>
+          <a:xfrm flipV="1">
+            <a:off x="4630795" y="1424534"/>
+            <a:ext cx="0" cy="4248472"/>
+          </a:xfrm>
+          <a:prstGeom prst="line">
+            <a:avLst/>
+          </a:prstGeom>
+          <a:ln>
+            <a:solidFill>
+              <a:srgbClr val="000000"/>
+            </a:solidFill>
+            <a:prstDash val="sysDash"/>
+          </a:ln>
+        </p:spPr>
+        <p:style>
+          <a:lnRef idx="2">
+            <a:schemeClr val="accent1"/>
+          </a:lnRef>
+          <a:fillRef idx="0">
+            <a:schemeClr val="accent1"/>
+          </a:fillRef>
+          <a:effectRef idx="1">
+            <a:schemeClr val="accent1"/>
+          </a:effectRef>
+          <a:fontRef idx="minor">
+            <a:schemeClr val="tx1"/>
+          </a:fontRef>
+        </p:style>
+      </p:cxnSp>
+    </p:spTree>
+    <p:extLst>
+      <p:ext uri="{BB962C8B-B14F-4D97-AF65-F5344CB8AC3E}">
+        <p14:creationId xmlns:p14="http://schemas.microsoft.com/office/powerpoint/2010/main" val="503457817"/>
+      </p:ext>
+    </p:extLst>
+  </p:cSld>
+  <p:clrMapOvr>
+    <a:masterClrMapping/>
+  </p:clrMapOvr>
+</p:sld>
+</file>
+
+<file path=ppt/slides/slide11.xml><?xml version="1.0" encoding="utf-8"?>
 <p:sld xmlns:a="http://schemas.openxmlformats.org/drawingml/2006/main" xmlns:r="http://schemas.openxmlformats.org/officeDocument/2006/relationships" xmlns:p="http://schemas.openxmlformats.org/presentationml/2006/main" show="0">
   <p:cSld>
     <p:spTree>
@@ -3605,7 +3910,7 @@
           <p:cNvPr id="5" name="ZoneTexte 4">
             <a:extLst>
               <a:ext uri="{FF2B5EF4-FFF2-40B4-BE49-F238E27FC236}">
-                <a16:creationId xmlns:a16="http://schemas.microsoft.com/office/drawing/2014/main" xmlns="" id="{44F3C7D2-8595-4B38-965D-4AE2AA460868}"/>
+                <a16:creationId xmlns="" xmlns:a16="http://schemas.microsoft.com/office/drawing/2014/main" id="{44F3C7D2-8595-4B38-965D-4AE2AA460868}"/>
               </a:ext>
             </a:extLst>
           </p:cNvPr>
@@ -3662,7 +3967,7 @@
           <p:cNvPr id="7" name="ZoneTexte 6">
             <a:extLst>
               <a:ext uri="{FF2B5EF4-FFF2-40B4-BE49-F238E27FC236}">
-                <a16:creationId xmlns:a16="http://schemas.microsoft.com/office/drawing/2014/main" xmlns="" id="{A796B349-8C3C-4C06-BE04-0453D02F0B01}"/>
+                <a16:creationId xmlns="" xmlns:a16="http://schemas.microsoft.com/office/drawing/2014/main" id="{A796B349-8C3C-4C06-BE04-0453D02F0B01}"/>
               </a:ext>
             </a:extLst>
           </p:cNvPr>
@@ -4072,7 +4377,7 @@
           <p:cNvPr id="4" name="Groupe 3">
             <a:extLst>
               <a:ext uri="{FF2B5EF4-FFF2-40B4-BE49-F238E27FC236}">
-                <a16:creationId xmlns:a16="http://schemas.microsoft.com/office/drawing/2014/main" xmlns="" id="{70A03493-A1E0-4B2E-8D5C-1D2C65C1948D}"/>
+                <a16:creationId xmlns="" xmlns:a16="http://schemas.microsoft.com/office/drawing/2014/main" id="{70A03493-A1E0-4B2E-8D5C-1D2C65C1948D}"/>
               </a:ext>
             </a:extLst>
           </p:cNvPr>
@@ -4092,7 +4397,7 @@
             <p:cNvPr id="5" name="Image 4">
               <a:extLst>
                 <a:ext uri="{FF2B5EF4-FFF2-40B4-BE49-F238E27FC236}">
-                  <a16:creationId xmlns:a16="http://schemas.microsoft.com/office/drawing/2014/main" xmlns="" id="{F16B2906-B16C-4F33-A743-ECB458718F0B}"/>
+                  <a16:creationId xmlns="" xmlns:a16="http://schemas.microsoft.com/office/drawing/2014/main" id="{F16B2906-B16C-4F33-A743-ECB458718F0B}"/>
                 </a:ext>
               </a:extLst>
             </p:cNvPr>
@@ -4128,7 +4433,7 @@
             <p:cNvPr id="6" name="Rectangle 5">
               <a:extLst>
                 <a:ext uri="{FF2B5EF4-FFF2-40B4-BE49-F238E27FC236}">
-                  <a16:creationId xmlns:a16="http://schemas.microsoft.com/office/drawing/2014/main" xmlns="" id="{A39CE8E1-0421-4C61-AE80-8B056EA34758}"/>
+                  <a16:creationId xmlns="" xmlns:a16="http://schemas.microsoft.com/office/drawing/2014/main" id="{A39CE8E1-0421-4C61-AE80-8B056EA34758}"/>
                 </a:ext>
               </a:extLst>
             </p:cNvPr>
@@ -4181,7 +4486,7 @@
           <p:cNvPr id="7" name="Groupe 6">
             <a:extLst>
               <a:ext uri="{FF2B5EF4-FFF2-40B4-BE49-F238E27FC236}">
-                <a16:creationId xmlns:a16="http://schemas.microsoft.com/office/drawing/2014/main" xmlns="" id="{E6246E64-C2A5-41F1-B582-658A7D9C57EF}"/>
+                <a16:creationId xmlns="" xmlns:a16="http://schemas.microsoft.com/office/drawing/2014/main" id="{E6246E64-C2A5-41F1-B582-658A7D9C57EF}"/>
               </a:ext>
             </a:extLst>
           </p:cNvPr>
@@ -4201,7 +4506,7 @@
             <p:cNvPr id="8" name="Image 7">
               <a:extLst>
                 <a:ext uri="{FF2B5EF4-FFF2-40B4-BE49-F238E27FC236}">
-                  <a16:creationId xmlns:a16="http://schemas.microsoft.com/office/drawing/2014/main" xmlns="" id="{6A681126-B555-4E7B-AB74-1C1B2B1F67B0}"/>
+                  <a16:creationId xmlns="" xmlns:a16="http://schemas.microsoft.com/office/drawing/2014/main" id="{6A681126-B555-4E7B-AB74-1C1B2B1F67B0}"/>
                 </a:ext>
               </a:extLst>
             </p:cNvPr>
@@ -4237,7 +4542,7 @@
             <p:cNvPr id="9" name="Rectangle 8">
               <a:extLst>
                 <a:ext uri="{FF2B5EF4-FFF2-40B4-BE49-F238E27FC236}">
-                  <a16:creationId xmlns:a16="http://schemas.microsoft.com/office/drawing/2014/main" xmlns="" id="{E6809562-9AFE-4434-81DF-5F1704D9F8D9}"/>
+                  <a16:creationId xmlns="" xmlns:a16="http://schemas.microsoft.com/office/drawing/2014/main" id="{E6809562-9AFE-4434-81DF-5F1704D9F8D9}"/>
                 </a:ext>
               </a:extLst>
             </p:cNvPr>
@@ -4290,7 +4595,7 @@
           <p:cNvPr id="10" name="ZoneTexte 9">
             <a:extLst>
               <a:ext uri="{FF2B5EF4-FFF2-40B4-BE49-F238E27FC236}">
-                <a16:creationId xmlns:a16="http://schemas.microsoft.com/office/drawing/2014/main" xmlns="" id="{A4503632-9CE6-4232-9D91-DE4FECDA5BBB}"/>
+                <a16:creationId xmlns="" xmlns:a16="http://schemas.microsoft.com/office/drawing/2014/main" id="{A4503632-9CE6-4232-9D91-DE4FECDA5BBB}"/>
               </a:ext>
             </a:extLst>
           </p:cNvPr>
@@ -4345,7 +4650,7 @@
           <p:cNvPr id="11" name="ZoneTexte 10">
             <a:extLst>
               <a:ext uri="{FF2B5EF4-FFF2-40B4-BE49-F238E27FC236}">
-                <a16:creationId xmlns:a16="http://schemas.microsoft.com/office/drawing/2014/main" xmlns="" id="{F352E99F-FFD1-4320-BAB4-C2AE013741D7}"/>
+                <a16:creationId xmlns="" xmlns:a16="http://schemas.microsoft.com/office/drawing/2014/main" id="{F352E99F-FFD1-4320-BAB4-C2AE013741D7}"/>
               </a:ext>
             </a:extLst>
           </p:cNvPr>
@@ -4400,7 +4705,7 @@
           <p:cNvPr id="12" name="ZoneTexte 11">
             <a:extLst>
               <a:ext uri="{FF2B5EF4-FFF2-40B4-BE49-F238E27FC236}">
-                <a16:creationId xmlns:a16="http://schemas.microsoft.com/office/drawing/2014/main" xmlns="" id="{6CDBB032-BFC4-45FD-B605-7789CA14D016}"/>
+                <a16:creationId xmlns="" xmlns:a16="http://schemas.microsoft.com/office/drawing/2014/main" id="{6CDBB032-BFC4-45FD-B605-7789CA14D016}"/>
               </a:ext>
             </a:extLst>
           </p:cNvPr>
@@ -4523,7 +4828,7 @@
           <p:cNvPr id="5" name="Espace réservé du contenu 12">
             <a:extLst>
               <a:ext uri="{FF2B5EF4-FFF2-40B4-BE49-F238E27FC236}">
-                <a16:creationId xmlns:a16="http://schemas.microsoft.com/office/drawing/2014/main" xmlns="" id="{4B05A351-FF36-44E7-B877-E358231424A4}"/>
+                <a16:creationId xmlns="" xmlns:a16="http://schemas.microsoft.com/office/drawing/2014/main" id="{4B05A351-FF36-44E7-B877-E358231424A4}"/>
               </a:ext>
             </a:extLst>
           </p:cNvPr>
@@ -4558,7 +4863,7 @@
           <p:cNvPr id="6" name="ZoneTexte 5">
             <a:extLst>
               <a:ext uri="{FF2B5EF4-FFF2-40B4-BE49-F238E27FC236}">
-                <a16:creationId xmlns:a16="http://schemas.microsoft.com/office/drawing/2014/main" xmlns="" id="{EB2F41E2-3FC3-419E-B468-ECEEE3648B1F}"/>
+                <a16:creationId xmlns="" xmlns:a16="http://schemas.microsoft.com/office/drawing/2014/main" id="{EB2F41E2-3FC3-419E-B468-ECEEE3648B1F}"/>
               </a:ext>
             </a:extLst>
           </p:cNvPr>
@@ -4811,23 +5116,11 @@
           <a:p>
             <a:r>
               <a:rPr lang="fr-FR" sz="2400" dirty="0" err="1" smtClean="0"/>
-              <a:t>Na</a:t>
-            </a:r>
-            <a:r>
-              <a:rPr lang="fr-FR" sz="2400" dirty="0" err="1" smtClean="0"/>
-              <a:t>Cl</a:t>
+              <a:t>NaCl</a:t>
             </a:r>
             <a:r>
               <a:rPr lang="fr-FR" sz="2400" dirty="0" smtClean="0"/>
-              <a:t> </a:t>
-            </a:r>
-            <a:r>
-              <a:rPr lang="fr-FR" sz="2400" dirty="0" smtClean="0"/>
-              <a:t>(s)   =   </a:t>
-            </a:r>
-            <a:r>
-              <a:rPr lang="fr-FR" sz="2400" dirty="0" smtClean="0"/>
-              <a:t>Na</a:t>
+              <a:t> (s)   =   Na</a:t>
             </a:r>
             <a:r>
               <a:rPr lang="fr-FR" sz="2400" baseline="30000" dirty="0" smtClean="0"/>
@@ -4835,11 +5128,7 @@
             </a:r>
             <a:r>
               <a:rPr lang="fr-FR" sz="2400" dirty="0" smtClean="0"/>
-              <a:t> </a:t>
-            </a:r>
-            <a:r>
-              <a:rPr lang="fr-FR" sz="2400" dirty="0" smtClean="0"/>
-              <a:t>(</a:t>
+              <a:t> (</a:t>
             </a:r>
             <a:r>
               <a:rPr lang="fr-FR" sz="2400" dirty="0" err="1" smtClean="0"/>
@@ -4901,15 +5190,7 @@
             </a:r>
             <a:r>
               <a:rPr lang="fr-FR" sz="2400" dirty="0" smtClean="0"/>
-              <a:t> = </a:t>
-            </a:r>
-            <a:r>
-              <a:rPr lang="fr-FR" sz="2400" dirty="0" smtClean="0"/>
-              <a:t>32,98 à </a:t>
-            </a:r>
-            <a:r>
-              <a:rPr lang="fr-FR" sz="2400" dirty="0" smtClean="0"/>
-              <a:t>298 K</a:t>
+              <a:t> = 32,98 à 298 K</a:t>
             </a:r>
             <a:endParaRPr lang="fr-FR" sz="2400" dirty="0"/>
           </a:p>
@@ -4945,7 +5226,7 @@
           <p:cNvPr id="2" name="Titre 1">
             <a:extLst>
               <a:ext uri="{FF2B5EF4-FFF2-40B4-BE49-F238E27FC236}">
-                <a16:creationId xmlns:a16="http://schemas.microsoft.com/office/drawing/2014/main" xmlns="" id="{F362C895-2D91-41F6-8F9F-5350AE8096F2}"/>
+                <a16:creationId xmlns="" xmlns:a16="http://schemas.microsoft.com/office/drawing/2014/main" id="{F362C895-2D91-41F6-8F9F-5350AE8096F2}"/>
               </a:ext>
             </a:extLst>
           </p:cNvPr>
@@ -4970,11 +5251,7 @@
           <a:p>
             <a:r>
               <a:rPr lang="fr-FR" dirty="0" smtClean="0"/>
-              <a:t>Détermination du produit de solubilité de l’acide benzo</a:t>
-            </a:r>
-            <a:r>
-              <a:rPr lang="fr-FR" dirty="0" smtClean="0"/>
-              <a:t>ïque</a:t>
+              <a:t>Détermination du produit de solubilité de l’acide benzoïque</a:t>
             </a:r>
             <a:endParaRPr lang="fr-FR" dirty="0"/>
           </a:p>
@@ -4985,7 +5262,7 @@
           <p:cNvPr id="4" name="Espace réservé du numéro de diapositive 3">
             <a:extLst>
               <a:ext uri="{FF2B5EF4-FFF2-40B4-BE49-F238E27FC236}">
-                <a16:creationId xmlns:a16="http://schemas.microsoft.com/office/drawing/2014/main" xmlns="" id="{F0C405D1-6B07-4F81-806B-1809C7E3D18B}"/>
+                <a16:creationId xmlns="" xmlns:a16="http://schemas.microsoft.com/office/drawing/2014/main" id="{F0C405D1-6B07-4F81-806B-1809C7E3D18B}"/>
               </a:ext>
             </a:extLst>
           </p:cNvPr>
@@ -5014,7 +5291,7 @@
           <p:cNvPr id="8" name="Picture 2" descr="RÃ©sultat de recherche d'images pour &quot;schÃ©ma dosage pH mÃ©trique&quot;">
             <a:extLst>
               <a:ext uri="{FF2B5EF4-FFF2-40B4-BE49-F238E27FC236}">
-                <a16:creationId xmlns:a16="http://schemas.microsoft.com/office/drawing/2014/main" xmlns="" id="{4A4BB564-CC8C-478C-9CB8-ED422947562A}"/>
+                <a16:creationId xmlns="" xmlns:a16="http://schemas.microsoft.com/office/drawing/2014/main" id="{4A4BB564-CC8C-478C-9CB8-ED422947562A}"/>
               </a:ext>
             </a:extLst>
           </p:cNvPr>
@@ -5061,7 +5338,7 @@
           <p:cNvPr id="16" name="Grouper 444">
             <a:extLst>
               <a:ext uri="{FF2B5EF4-FFF2-40B4-BE49-F238E27FC236}">
-                <a16:creationId xmlns:a16="http://schemas.microsoft.com/office/drawing/2014/main" xmlns="" id="{AEC54AE2-A3C9-4E44-BA7F-082F3ECED6F3}"/>
+                <a16:creationId xmlns="" xmlns:a16="http://schemas.microsoft.com/office/drawing/2014/main" id="{AEC54AE2-A3C9-4E44-BA7F-082F3ECED6F3}"/>
               </a:ext>
             </a:extLst>
           </p:cNvPr>
@@ -5081,7 +5358,7 @@
             <p:cNvPr id="17" name="Arrondir un rectangle avec un coin du même côté 49">
               <a:extLst>
                 <a:ext uri="{FF2B5EF4-FFF2-40B4-BE49-F238E27FC236}">
-                  <a16:creationId xmlns:a16="http://schemas.microsoft.com/office/drawing/2014/main" xmlns="" id="{32ABA185-F8B3-48A5-B263-9F580B14ECF3}"/>
+                  <a16:creationId xmlns="" xmlns:a16="http://schemas.microsoft.com/office/drawing/2014/main" id="{32ABA185-F8B3-48A5-B263-9F580B14ECF3}"/>
                 </a:ext>
               </a:extLst>
             </p:cNvPr>
@@ -5142,7 +5419,7 @@
             <p:cNvPr id="18" name="Grouper 441">
               <a:extLst>
                 <a:ext uri="{FF2B5EF4-FFF2-40B4-BE49-F238E27FC236}">
-                  <a16:creationId xmlns:a16="http://schemas.microsoft.com/office/drawing/2014/main" xmlns="" id="{879151D6-946F-4ECA-8E97-D55D9DB7DC66}"/>
+                  <a16:creationId xmlns="" xmlns:a16="http://schemas.microsoft.com/office/drawing/2014/main" id="{879151D6-946F-4ECA-8E97-D55D9DB7DC66}"/>
                 </a:ext>
               </a:extLst>
             </p:cNvPr>
@@ -5162,7 +5439,7 @@
               <p:cNvPr id="19" name="Arrondir un rectangle avec un coin du même côté 442">
                 <a:extLst>
                   <a:ext uri="{FF2B5EF4-FFF2-40B4-BE49-F238E27FC236}">
-                    <a16:creationId xmlns:a16="http://schemas.microsoft.com/office/drawing/2014/main" xmlns="" id="{EEB39DA7-20AC-405C-87A7-17DF97D14098}"/>
+                    <a16:creationId xmlns="" xmlns:a16="http://schemas.microsoft.com/office/drawing/2014/main" id="{EEB39DA7-20AC-405C-87A7-17DF97D14098}"/>
                   </a:ext>
                 </a:extLst>
               </p:cNvPr>
@@ -5217,7 +5494,7 @@
               <p:cNvPr id="20" name="Rectangle 19">
                 <a:extLst>
                   <a:ext uri="{FF2B5EF4-FFF2-40B4-BE49-F238E27FC236}">
-                    <a16:creationId xmlns:a16="http://schemas.microsoft.com/office/drawing/2014/main" xmlns="" id="{3E9CF19E-3512-4DDC-9C5A-8A730EEF2EEA}"/>
+                    <a16:creationId xmlns="" xmlns:a16="http://schemas.microsoft.com/office/drawing/2014/main" id="{3E9CF19E-3512-4DDC-9C5A-8A730EEF2EEA}"/>
                   </a:ext>
                 </a:extLst>
               </p:cNvPr>
@@ -5276,7 +5553,7 @@
           <p:cNvPr id="21" name="Forme libre 1">
             <a:extLst>
               <a:ext uri="{FF2B5EF4-FFF2-40B4-BE49-F238E27FC236}">
-                <a16:creationId xmlns:a16="http://schemas.microsoft.com/office/drawing/2014/main" xmlns="" id="{F5B26606-95CD-4026-8BBD-1F37D70A8AB4}"/>
+                <a16:creationId xmlns="" xmlns:a16="http://schemas.microsoft.com/office/drawing/2014/main" id="{F5B26606-95CD-4026-8BBD-1F37D70A8AB4}"/>
               </a:ext>
             </a:extLst>
           </p:cNvPr>
@@ -6996,7 +7273,7 @@
           <p:cNvPr id="22" name="Forme libre 1">
             <a:extLst>
               <a:ext uri="{FF2B5EF4-FFF2-40B4-BE49-F238E27FC236}">
-                <a16:creationId xmlns:a16="http://schemas.microsoft.com/office/drawing/2014/main" xmlns="" id="{4DC4D77A-16A4-439B-9399-0FB2A93DAFBD}"/>
+                <a16:creationId xmlns="" xmlns:a16="http://schemas.microsoft.com/office/drawing/2014/main" id="{4DC4D77A-16A4-439B-9399-0FB2A93DAFBD}"/>
               </a:ext>
             </a:extLst>
           </p:cNvPr>
@@ -8716,7 +8993,7 @@
           <p:cNvPr id="23" name="Triangle isocèle 22">
             <a:extLst>
               <a:ext uri="{FF2B5EF4-FFF2-40B4-BE49-F238E27FC236}">
-                <a16:creationId xmlns:a16="http://schemas.microsoft.com/office/drawing/2014/main" xmlns="" id="{3B5CE0DF-C14D-485B-BDE7-9EA3B63A3FF9}"/>
+                <a16:creationId xmlns="" xmlns:a16="http://schemas.microsoft.com/office/drawing/2014/main" id="{3B5CE0DF-C14D-485B-BDE7-9EA3B63A3FF9}"/>
               </a:ext>
             </a:extLst>
           </p:cNvPr>
@@ -8772,7 +9049,7 @@
           <p:cNvPr id="24" name="Flèche : demi-tour 23">
             <a:extLst>
               <a:ext uri="{FF2B5EF4-FFF2-40B4-BE49-F238E27FC236}">
-                <a16:creationId xmlns:a16="http://schemas.microsoft.com/office/drawing/2014/main" xmlns="" id="{ADE0E6AF-D5E6-45CF-8A2A-488544A770EF}"/>
+                <a16:creationId xmlns="" xmlns:a16="http://schemas.microsoft.com/office/drawing/2014/main" id="{ADE0E6AF-D5E6-45CF-8A2A-488544A770EF}"/>
               </a:ext>
             </a:extLst>
           </p:cNvPr>
@@ -8838,7 +9115,7 @@
               <p:cNvPr id="25" name="ZoneTexte 24">
                 <a:extLst>
                   <a:ext uri="{FF2B5EF4-FFF2-40B4-BE49-F238E27FC236}">
-                    <a16:creationId xmlns:a16="http://schemas.microsoft.com/office/drawing/2014/main" xmlns="" id="{2E6C1861-FE6C-4103-B53F-C22BABC941D3}"/>
+                    <a16:creationId xmlns="" xmlns:a16="http://schemas.microsoft.com/office/drawing/2014/main" id="{2E6C1861-FE6C-4103-B53F-C22BABC941D3}"/>
                   </a:ext>
                 </a:extLst>
               </p:cNvPr>
@@ -8866,7 +9143,7 @@
                   <a:t>Prélèvement de </a:t>
                 </a:r>
                 <a14:m>
-                  <m:oMath xmlns:m="http://schemas.openxmlformats.org/officeDocument/2006/math" xmlns="">
+                  <m:oMath xmlns="" xmlns:m="http://schemas.openxmlformats.org/officeDocument/2006/math">
                     <m:r>
                       <a:rPr lang="fr-FR" b="0" i="1" smtClean="0">
                         <a:latin typeface="Cambria Math" panose="02040503050406030204" pitchFamily="18" charset="0"/>
@@ -8948,7 +9225,7 @@
           <p:cNvPr id="3" name="ZoneTexte 2">
             <a:extLst>
               <a:ext uri="{FF2B5EF4-FFF2-40B4-BE49-F238E27FC236}">
-                <a16:creationId xmlns:a16="http://schemas.microsoft.com/office/drawing/2014/main" xmlns="" id="{9CF70585-0416-4B79-AB97-D40AF367324E}"/>
+                <a16:creationId xmlns="" xmlns:a16="http://schemas.microsoft.com/office/drawing/2014/main" id="{9CF70585-0416-4B79-AB97-D40AF367324E}"/>
               </a:ext>
             </a:extLst>
           </p:cNvPr>
@@ -9029,7 +9306,11 @@
             </a:r>
             <a:r>
               <a:rPr lang="fr-FR" dirty="0" smtClean="0"/>
-              <a:t>, C=2x10</a:t>
+              <a:t>, C</a:t>
+            </a:r>
+            <a:r>
+              <a:rPr lang="fr-FR" dirty="0" smtClean="0"/>
+              <a:t>=1x10</a:t>
             </a:r>
             <a:r>
               <a:rPr lang="fr-FR" baseline="30000" dirty="0" smtClean="0"/>
@@ -9369,7 +9650,12 @@
             <p:ph type="title"/>
           </p:nvPr>
         </p:nvSpPr>
-        <p:spPr/>
+        <p:spPr>
+          <a:xfrm>
+            <a:off x="208034" y="158004"/>
+            <a:ext cx="7543800" cy="732591"/>
+          </a:xfrm>
+        </p:spPr>
         <p:txBody>
           <a:bodyPr>
             <a:normAutofit fontScale="90000"/>
@@ -9378,17 +9664,9 @@
           <a:p>
             <a:r>
               <a:rPr lang="fr-FR" dirty="0" smtClean="0"/>
-              <a:t>Détermination du produit de solubilité de </a:t>
-            </a:r>
-            <a:r>
-              <a:rPr lang="fr-FR" dirty="0" err="1" smtClean="0"/>
-              <a:t>NaCl</a:t>
-            </a:r>
-            <a:r>
-              <a:rPr lang="fr-FR" baseline="-25000" dirty="0" smtClean="0"/>
-              <a:t>(s)</a:t>
-            </a:r>
-            <a:endParaRPr lang="fr-FR" baseline="-25000" dirty="0"/>
+              <a:t>Résultats de la simulation</a:t>
+            </a:r>
+            <a:endParaRPr lang="fr-FR" dirty="0"/>
           </a:p>
         </p:txBody>
       </p:sp>
@@ -9404,6 +9682,484 @@
         </p:nvSpPr>
         <p:spPr>
           <a:xfrm>
+            <a:off x="7967925" y="6347261"/>
+            <a:ext cx="984019" cy="365125"/>
+          </a:xfrm>
+        </p:spPr>
+        <p:txBody>
+          <a:bodyPr/>
+          <a:lstStyle/>
+          <a:p>
+            <a:fld id="{5BA00AD0-89FA-4358-AFE4-0A4CF2693EF1}" type="slidenum">
+              <a:rPr lang="fr-FR" smtClean="0"/>
+              <a:t>6</a:t>
+            </a:fld>
+            <a:endParaRPr lang="fr-FR" dirty="0"/>
+          </a:p>
+        </p:txBody>
+      </p:sp>
+      <p:pic>
+        <p:nvPicPr>
+          <p:cNvPr id="5" name="Image 4" descr="Capture d-ecran -6-.png"/>
+          <p:cNvPicPr>
+            <a:picLocks noChangeAspect="1"/>
+          </p:cNvPicPr>
+          <p:nvPr/>
+        </p:nvPicPr>
+        <p:blipFill rotWithShape="1">
+          <a:blip r:embed="rId2">
+            <a:extLst>
+              <a:ext uri="{28A0092B-C50C-407E-A947-70E740481C1C}">
+                <a14:useLocalDpi xmlns:a14="http://schemas.microsoft.com/office/drawing/2010/main" val="0"/>
+              </a:ext>
+            </a:extLst>
+          </a:blip>
+          <a:srcRect l="1137" t="17354" r="533" b="6472"/>
+          <a:stretch/>
+        </p:blipFill>
+        <p:spPr>
+          <a:xfrm>
+            <a:off x="554638" y="925897"/>
+            <a:ext cx="7125900" cy="5520182"/>
+          </a:xfrm>
+          <a:prstGeom prst="rect">
+            <a:avLst/>
+          </a:prstGeom>
+        </p:spPr>
+      </p:pic>
+      <p:cxnSp>
+        <p:nvCxnSpPr>
+          <p:cNvPr id="6" name="Connecteur droit 5"/>
+          <p:cNvCxnSpPr/>
+          <p:nvPr/>
+        </p:nvCxnSpPr>
+        <p:spPr>
+          <a:xfrm flipV="1">
+            <a:off x="791060" y="843042"/>
+            <a:ext cx="2581790" cy="2867458"/>
+          </a:xfrm>
+          <a:prstGeom prst="line">
+            <a:avLst/>
+          </a:prstGeom>
+          <a:ln>
+            <a:solidFill>
+              <a:srgbClr val="000000"/>
+            </a:solidFill>
+          </a:ln>
+        </p:spPr>
+        <p:style>
+          <a:lnRef idx="2">
+            <a:schemeClr val="accent1"/>
+          </a:lnRef>
+          <a:fillRef idx="0">
+            <a:schemeClr val="accent1"/>
+          </a:fillRef>
+          <a:effectRef idx="1">
+            <a:schemeClr val="accent1"/>
+          </a:effectRef>
+          <a:fontRef idx="minor">
+            <a:schemeClr val="tx1"/>
+          </a:fontRef>
+        </p:style>
+      </p:cxnSp>
+      <p:cxnSp>
+        <p:nvCxnSpPr>
+          <p:cNvPr id="7" name="Connecteur droit 6"/>
+          <p:cNvCxnSpPr/>
+          <p:nvPr/>
+        </p:nvCxnSpPr>
+        <p:spPr>
+          <a:xfrm flipV="1">
+            <a:off x="1567685" y="1628800"/>
+            <a:ext cx="3436363" cy="3816586"/>
+          </a:xfrm>
+          <a:prstGeom prst="line">
+            <a:avLst/>
+          </a:prstGeom>
+          <a:ln>
+            <a:solidFill>
+              <a:srgbClr val="000000"/>
+            </a:solidFill>
+          </a:ln>
+        </p:spPr>
+        <p:style>
+          <a:lnRef idx="2">
+            <a:schemeClr val="accent1"/>
+          </a:lnRef>
+          <a:fillRef idx="0">
+            <a:schemeClr val="accent1"/>
+          </a:fillRef>
+          <a:effectRef idx="1">
+            <a:schemeClr val="accent1"/>
+          </a:effectRef>
+          <a:fontRef idx="minor">
+            <a:schemeClr val="tx1"/>
+          </a:fontRef>
+        </p:style>
+      </p:cxnSp>
+      <p:cxnSp>
+        <p:nvCxnSpPr>
+          <p:cNvPr id="8" name="Connecteur droit 7"/>
+          <p:cNvCxnSpPr/>
+          <p:nvPr/>
+        </p:nvCxnSpPr>
+        <p:spPr>
+          <a:xfrm>
+            <a:off x="2828096" y="888977"/>
+            <a:ext cx="1887920" cy="1603919"/>
+          </a:xfrm>
+          <a:prstGeom prst="line">
+            <a:avLst/>
+          </a:prstGeom>
+          <a:ln>
+            <a:solidFill>
+              <a:srgbClr val="000000"/>
+            </a:solidFill>
+            <a:prstDash val="dash"/>
+          </a:ln>
+        </p:spPr>
+        <p:style>
+          <a:lnRef idx="2">
+            <a:schemeClr val="accent1"/>
+          </a:lnRef>
+          <a:fillRef idx="0">
+            <a:schemeClr val="accent1"/>
+          </a:fillRef>
+          <a:effectRef idx="1">
+            <a:schemeClr val="accent1"/>
+          </a:effectRef>
+          <a:fontRef idx="minor">
+            <a:schemeClr val="tx1"/>
+          </a:fontRef>
+        </p:style>
+      </p:cxnSp>
+      <p:cxnSp>
+        <p:nvCxnSpPr>
+          <p:cNvPr id="9" name="Connecteur droit 8"/>
+          <p:cNvCxnSpPr/>
+          <p:nvPr/>
+        </p:nvCxnSpPr>
+        <p:spPr>
+          <a:xfrm flipV="1">
+            <a:off x="1073304" y="1498478"/>
+            <a:ext cx="2839969" cy="3154204"/>
+          </a:xfrm>
+          <a:prstGeom prst="line">
+            <a:avLst/>
+          </a:prstGeom>
+          <a:ln>
+            <a:solidFill>
+              <a:srgbClr val="000000"/>
+            </a:solidFill>
+          </a:ln>
+        </p:spPr>
+        <p:style>
+          <a:lnRef idx="2">
+            <a:schemeClr val="accent1"/>
+          </a:lnRef>
+          <a:fillRef idx="0">
+            <a:schemeClr val="accent1"/>
+          </a:fillRef>
+          <a:effectRef idx="1">
+            <a:schemeClr val="accent1"/>
+          </a:effectRef>
+          <a:fontRef idx="minor">
+            <a:schemeClr val="tx1"/>
+          </a:fontRef>
+        </p:style>
+      </p:cxnSp>
+      <p:cxnSp>
+        <p:nvCxnSpPr>
+          <p:cNvPr id="10" name="Connecteur droit 9"/>
+          <p:cNvCxnSpPr/>
+          <p:nvPr/>
+        </p:nvCxnSpPr>
+        <p:spPr>
+          <a:xfrm flipV="1">
+            <a:off x="3203848" y="1312694"/>
+            <a:ext cx="314918" cy="87965"/>
+          </a:xfrm>
+          <a:prstGeom prst="line">
+            <a:avLst/>
+          </a:prstGeom>
+          <a:ln w="28575" cmpd="sng">
+            <a:solidFill>
+              <a:srgbClr val="000000"/>
+            </a:solidFill>
+          </a:ln>
+        </p:spPr>
+        <p:style>
+          <a:lnRef idx="2">
+            <a:schemeClr val="accent1"/>
+          </a:lnRef>
+          <a:fillRef idx="0">
+            <a:schemeClr val="accent1"/>
+          </a:fillRef>
+          <a:effectRef idx="1">
+            <a:schemeClr val="accent1"/>
+          </a:effectRef>
+          <a:fontRef idx="minor">
+            <a:schemeClr val="tx1"/>
+          </a:fontRef>
+        </p:style>
+      </p:cxnSp>
+      <p:cxnSp>
+        <p:nvCxnSpPr>
+          <p:cNvPr id="11" name="Connecteur droit 10"/>
+          <p:cNvCxnSpPr/>
+          <p:nvPr/>
+        </p:nvCxnSpPr>
+        <p:spPr>
+          <a:xfrm flipV="1">
+            <a:off x="3266935" y="1396819"/>
+            <a:ext cx="314918" cy="87965"/>
+          </a:xfrm>
+          <a:prstGeom prst="line">
+            <a:avLst/>
+          </a:prstGeom>
+          <a:ln w="28575" cmpd="sng">
+            <a:solidFill>
+              <a:srgbClr val="000000"/>
+            </a:solidFill>
+          </a:ln>
+        </p:spPr>
+        <p:style>
+          <a:lnRef idx="2">
+            <a:schemeClr val="accent1"/>
+          </a:lnRef>
+          <a:fillRef idx="0">
+            <a:schemeClr val="accent1"/>
+          </a:fillRef>
+          <a:effectRef idx="1">
+            <a:schemeClr val="accent1"/>
+          </a:effectRef>
+          <a:fontRef idx="minor">
+            <a:schemeClr val="tx1"/>
+          </a:fontRef>
+        </p:style>
+      </p:cxnSp>
+      <p:cxnSp>
+        <p:nvCxnSpPr>
+          <p:cNvPr id="12" name="Connecteur droit 11"/>
+          <p:cNvCxnSpPr/>
+          <p:nvPr/>
+        </p:nvCxnSpPr>
+        <p:spPr>
+          <a:xfrm flipV="1">
+            <a:off x="3851920" y="1844824"/>
+            <a:ext cx="314918" cy="87965"/>
+          </a:xfrm>
+          <a:prstGeom prst="line">
+            <a:avLst/>
+          </a:prstGeom>
+          <a:ln w="28575" cmpd="sng">
+            <a:solidFill>
+              <a:srgbClr val="000000"/>
+            </a:solidFill>
+          </a:ln>
+        </p:spPr>
+        <p:style>
+          <a:lnRef idx="2">
+            <a:schemeClr val="accent1"/>
+          </a:lnRef>
+          <a:fillRef idx="0">
+            <a:schemeClr val="accent1"/>
+          </a:fillRef>
+          <a:effectRef idx="1">
+            <a:schemeClr val="accent1"/>
+          </a:effectRef>
+          <a:fontRef idx="minor">
+            <a:schemeClr val="tx1"/>
+          </a:fontRef>
+        </p:style>
+      </p:cxnSp>
+      <p:cxnSp>
+        <p:nvCxnSpPr>
+          <p:cNvPr id="13" name="Connecteur droit 12"/>
+          <p:cNvCxnSpPr/>
+          <p:nvPr/>
+        </p:nvCxnSpPr>
+        <p:spPr>
+          <a:xfrm flipV="1">
+            <a:off x="3915007" y="1928949"/>
+            <a:ext cx="314918" cy="87965"/>
+          </a:xfrm>
+          <a:prstGeom prst="line">
+            <a:avLst/>
+          </a:prstGeom>
+          <a:ln w="28575" cmpd="sng">
+            <a:solidFill>
+              <a:srgbClr val="000000"/>
+            </a:solidFill>
+          </a:ln>
+        </p:spPr>
+        <p:style>
+          <a:lnRef idx="2">
+            <a:schemeClr val="accent1"/>
+          </a:lnRef>
+          <a:fillRef idx="0">
+            <a:schemeClr val="accent1"/>
+          </a:fillRef>
+          <a:effectRef idx="1">
+            <a:schemeClr val="accent1"/>
+          </a:effectRef>
+          <a:fontRef idx="minor">
+            <a:schemeClr val="tx1"/>
+          </a:fontRef>
+        </p:style>
+      </p:cxnSp>
+      <p:cxnSp>
+        <p:nvCxnSpPr>
+          <p:cNvPr id="15" name="Connecteur droit 14"/>
+          <p:cNvCxnSpPr/>
+          <p:nvPr/>
+        </p:nvCxnSpPr>
+        <p:spPr>
+          <a:xfrm>
+            <a:off x="2110037" y="3488277"/>
+            <a:ext cx="0" cy="2748826"/>
+          </a:xfrm>
+          <a:prstGeom prst="line">
+            <a:avLst/>
+          </a:prstGeom>
+          <a:ln>
+            <a:solidFill>
+              <a:srgbClr val="FF0000"/>
+            </a:solidFill>
+          </a:ln>
+        </p:spPr>
+        <p:style>
+          <a:lnRef idx="2">
+            <a:schemeClr val="accent1"/>
+          </a:lnRef>
+          <a:fillRef idx="0">
+            <a:schemeClr val="accent1"/>
+          </a:fillRef>
+          <a:effectRef idx="1">
+            <a:schemeClr val="accent1"/>
+          </a:effectRef>
+          <a:fontRef idx="minor">
+            <a:schemeClr val="tx1"/>
+          </a:fontRef>
+        </p:style>
+      </p:cxnSp>
+      <p:sp>
+        <p:nvSpPr>
+          <p:cNvPr id="16" name="ZoneTexte 15"/>
+          <p:cNvSpPr txBox="1"/>
+          <p:nvPr/>
+        </p:nvSpPr>
+        <p:spPr>
+          <a:xfrm>
+            <a:off x="2049752" y="6317478"/>
+            <a:ext cx="1223412" cy="369332"/>
+          </a:xfrm>
+          <a:prstGeom prst="rect">
+            <a:avLst/>
+          </a:prstGeom>
+          <a:noFill/>
+        </p:spPr>
+        <p:txBody>
+          <a:bodyPr wrap="none" rtlCol="0">
+            <a:spAutoFit/>
+          </a:bodyPr>
+          <a:lstStyle/>
+          <a:p>
+            <a:r>
+              <a:rPr lang="fr-FR" dirty="0" err="1" smtClean="0"/>
+              <a:t>V</a:t>
+            </a:r>
+            <a:r>
+              <a:rPr lang="fr-FR" baseline="-25000" dirty="0" err="1" smtClean="0"/>
+              <a:t>éq</a:t>
+            </a:r>
+            <a:r>
+              <a:rPr lang="fr-FR" dirty="0" smtClean="0"/>
+              <a:t>=4,1 </a:t>
+            </a:r>
+            <a:r>
+              <a:rPr lang="fr-FR" dirty="0" err="1" smtClean="0"/>
+              <a:t>mL</a:t>
+            </a:r>
+            <a:endParaRPr lang="fr-FR" dirty="0"/>
+          </a:p>
+        </p:txBody>
+      </p:sp>
+    </p:spTree>
+    <p:extLst>
+      <p:ext uri="{BB962C8B-B14F-4D97-AF65-F5344CB8AC3E}">
+        <p14:creationId xmlns:p14="http://schemas.microsoft.com/office/powerpoint/2010/main" val="314846444"/>
+      </p:ext>
+    </p:extLst>
+  </p:cSld>
+  <p:clrMapOvr>
+    <a:masterClrMapping/>
+  </p:clrMapOvr>
+</p:sld>
+</file>
+
+<file path=ppt/slides/slide7.xml><?xml version="1.0" encoding="utf-8"?>
+<p:sld xmlns:a="http://schemas.openxmlformats.org/drawingml/2006/main" xmlns:r="http://schemas.openxmlformats.org/officeDocument/2006/relationships" xmlns:p="http://schemas.openxmlformats.org/presentationml/2006/main">
+  <p:cSld>
+    <p:spTree>
+      <p:nvGrpSpPr>
+        <p:cNvPr id="1" name=""/>
+        <p:cNvGrpSpPr/>
+        <p:nvPr/>
+      </p:nvGrpSpPr>
+      <p:grpSpPr>
+        <a:xfrm>
+          <a:off x="0" y="0"/>
+          <a:ext cx="0" cy="0"/>
+          <a:chOff x="0" y="0"/>
+          <a:chExt cx="0" cy="0"/>
+        </a:xfrm>
+      </p:grpSpPr>
+      <p:sp>
+        <p:nvSpPr>
+          <p:cNvPr id="2" name="Titre 1"/>
+          <p:cNvSpPr>
+            <a:spLocks noGrp="1"/>
+          </p:cNvSpPr>
+          <p:nvPr>
+            <p:ph type="title"/>
+          </p:nvPr>
+        </p:nvSpPr>
+        <p:spPr/>
+        <p:txBody>
+          <a:bodyPr>
+            <a:normAutofit fontScale="90000"/>
+          </a:bodyPr>
+          <a:lstStyle/>
+          <a:p>
+            <a:r>
+              <a:rPr lang="fr-FR" dirty="0" smtClean="0"/>
+              <a:t>Détermination du produit de solubilité de </a:t>
+            </a:r>
+            <a:r>
+              <a:rPr lang="fr-FR" dirty="0" err="1" smtClean="0"/>
+              <a:t>NaCl</a:t>
+            </a:r>
+            <a:r>
+              <a:rPr lang="fr-FR" baseline="-25000" dirty="0" smtClean="0"/>
+              <a:t>(s)</a:t>
+            </a:r>
+            <a:endParaRPr lang="fr-FR" baseline="-25000" dirty="0"/>
+          </a:p>
+        </p:txBody>
+      </p:sp>
+      <p:sp>
+        <p:nvSpPr>
+          <p:cNvPr id="4" name="Espace réservé du numéro de diapositive 3"/>
+          <p:cNvSpPr>
+            <a:spLocks noGrp="1"/>
+          </p:cNvSpPr>
+          <p:nvPr>
+            <p:ph type="sldNum" sz="quarter" idx="12"/>
+          </p:nvPr>
+        </p:nvSpPr>
+        <p:spPr>
+          <a:xfrm>
             <a:off x="8030562" y="6492876"/>
             <a:ext cx="984019" cy="365125"/>
           </a:xfrm>
@@ -9414,7 +10170,7 @@
           <a:p>
             <a:fld id="{5BA00AD0-89FA-4358-AFE4-0A4CF2693EF1}" type="slidenum">
               <a:rPr lang="fr-FR" smtClean="0"/>
-              <a:t>6</a:t>
+              <a:t>7</a:t>
             </a:fld>
             <a:endParaRPr lang="fr-FR" dirty="0"/>
           </a:p>
@@ -9505,11 +10261,7 @@
             </a:r>
             <a:r>
               <a:rPr lang="fr-FR" dirty="0" smtClean="0"/>
-              <a:t>] </a:t>
-            </a:r>
-            <a:r>
-              <a:rPr lang="fr-FR" dirty="0" smtClean="0"/>
-              <a:t>+ </a:t>
+              <a:t>] + </a:t>
             </a:r>
             <a:r>
               <a:rPr lang="fr-FR" dirty="0" err="1"/>
@@ -9555,11 +10307,7 @@
             </a:r>
             <a:r>
               <a:rPr lang="fr-FR" dirty="0" smtClean="0"/>
-              <a:t>    </a:t>
-            </a:r>
-            <a:r>
-              <a:rPr lang="fr-FR" dirty="0" smtClean="0"/>
-              <a:t>= s*[ </a:t>
+              <a:t>    = s*[ </a:t>
             </a:r>
             <a:r>
               <a:rPr lang="fr-FR" dirty="0" err="1" smtClean="0"/>
@@ -9976,7 +10724,7 @@
           <p:cNvPr id="11" name="Groupe 21">
             <a:extLst>
               <a:ext uri="{FF2B5EF4-FFF2-40B4-BE49-F238E27FC236}">
-                <a16:creationId xmlns:a16="http://schemas.microsoft.com/office/drawing/2014/main" xmlns="" id="{153FE792-C093-4A53-BAD6-76B60367CE28}"/>
+                <a16:creationId xmlns="" xmlns:a16="http://schemas.microsoft.com/office/drawing/2014/main" id="{153FE792-C093-4A53-BAD6-76B60367CE28}"/>
               </a:ext>
             </a:extLst>
           </p:cNvPr>
@@ -9996,7 +10744,7 @@
             <p:cNvPr id="12" name="Rectangle : coins arrondis 22">
               <a:extLst>
                 <a:ext uri="{FF2B5EF4-FFF2-40B4-BE49-F238E27FC236}">
-                  <a16:creationId xmlns:a16="http://schemas.microsoft.com/office/drawing/2014/main" xmlns="" id="{22F2C46D-8850-4CE3-826B-D4FA1B767C09}"/>
+                  <a16:creationId xmlns="" xmlns:a16="http://schemas.microsoft.com/office/drawing/2014/main" id="{22F2C46D-8850-4CE3-826B-D4FA1B767C09}"/>
                 </a:ext>
               </a:extLst>
             </p:cNvPr>
@@ -10049,7 +10797,7 @@
             <p:cNvPr id="13" name="Rectangle 12">
               <a:extLst>
                 <a:ext uri="{FF2B5EF4-FFF2-40B4-BE49-F238E27FC236}">
-                  <a16:creationId xmlns:a16="http://schemas.microsoft.com/office/drawing/2014/main" xmlns="" id="{DFDAC9C4-1E30-490E-9CB4-965B1F43AFE8}"/>
+                  <a16:creationId xmlns="" xmlns:a16="http://schemas.microsoft.com/office/drawing/2014/main" id="{DFDAC9C4-1E30-490E-9CB4-965B1F43AFE8}"/>
                 </a:ext>
               </a:extLst>
             </p:cNvPr>
@@ -10102,7 +10850,7 @@
           <p:cNvPr id="15" name="Rectangle : avec coins arrondis en haut 5">
             <a:extLst>
               <a:ext uri="{FF2B5EF4-FFF2-40B4-BE49-F238E27FC236}">
-                <a16:creationId xmlns:a16="http://schemas.microsoft.com/office/drawing/2014/main" xmlns="" id="{0644D822-4E85-4FFB-9E15-B5479B87492A}"/>
+                <a16:creationId xmlns="" xmlns:a16="http://schemas.microsoft.com/office/drawing/2014/main" id="{0644D822-4E85-4FFB-9E15-B5479B87492A}"/>
               </a:ext>
             </a:extLst>
           </p:cNvPr>
@@ -10159,7 +10907,7 @@
           <p:cNvPr id="17" name="ZoneTexte 16">
             <a:extLst>
               <a:ext uri="{FF2B5EF4-FFF2-40B4-BE49-F238E27FC236}">
-                <a16:creationId xmlns:a16="http://schemas.microsoft.com/office/drawing/2014/main" xmlns="" id="{3C889E1B-1083-44FA-8F35-0CA2D6BD649F}"/>
+                <a16:creationId xmlns="" xmlns:a16="http://schemas.microsoft.com/office/drawing/2014/main" id="{3C889E1B-1083-44FA-8F35-0CA2D6BD649F}"/>
               </a:ext>
             </a:extLst>
           </p:cNvPr>
@@ -10280,7 +11028,7 @@
           <p:cNvPr id="14" name="Image 13">
             <a:extLst>
               <a:ext uri="{FF2B5EF4-FFF2-40B4-BE49-F238E27FC236}">
-                <a16:creationId xmlns:a16="http://schemas.microsoft.com/office/drawing/2014/main" xmlns="" id="{A19A00EC-7ABB-4B18-88AC-3747D1621C6B}"/>
+                <a16:creationId xmlns="" xmlns:a16="http://schemas.microsoft.com/office/drawing/2014/main" id="{A19A00EC-7ABB-4B18-88AC-3747D1621C6B}"/>
               </a:ext>
             </a:extLst>
           </p:cNvPr>
@@ -10310,7 +11058,7 @@
           <p:cNvPr id="16" name="Forme libre : forme 6">
             <a:extLst>
               <a:ext uri="{FF2B5EF4-FFF2-40B4-BE49-F238E27FC236}">
-                <a16:creationId xmlns:a16="http://schemas.microsoft.com/office/drawing/2014/main" xmlns="" id="{779B14F4-7FF1-4290-A4F1-308C17734AB9}"/>
+                <a16:creationId xmlns="" xmlns:a16="http://schemas.microsoft.com/office/drawing/2014/main" id="{779B14F4-7FF1-4290-A4F1-308C17734AB9}"/>
               </a:ext>
             </a:extLst>
           </p:cNvPr>
@@ -10753,7 +11501,7 @@
           <a:graphicData uri="http://schemas.openxmlformats.org/presentationml/2006/ole">
             <mc:AlternateContent xmlns:mc="http://schemas.openxmlformats.org/markup-compatibility/2006">
               <mc:Choice xmlns:v="urn:schemas-microsoft-com:vml" Requires="v">
-                <p:oleObj spid="_x0000_s1029" name="Document" r:id="rId4" imgW="5727700" imgH="520700" progId="Word.Document.12">
+                <p:oleObj spid="_x0000_s1032" name="Document" r:id="rId4" imgW="5727700" imgH="520700" progId="Word.Document.12">
                   <p:embed/>
                 </p:oleObj>
               </mc:Choice>
@@ -10839,504 +11587,6 @@
 </p:sld>
 </file>
 
-<file path=ppt/slides/slide7.xml><?xml version="1.0" encoding="utf-8"?>
-<p:sld xmlns:a="http://schemas.openxmlformats.org/drawingml/2006/main" xmlns:r="http://schemas.openxmlformats.org/officeDocument/2006/relationships" xmlns:p="http://schemas.openxmlformats.org/presentationml/2006/main">
-  <p:cSld>
-    <p:spTree>
-      <p:nvGrpSpPr>
-        <p:cNvPr id="1" name=""/>
-        <p:cNvGrpSpPr/>
-        <p:nvPr/>
-      </p:nvGrpSpPr>
-      <p:grpSpPr>
-        <a:xfrm>
-          <a:off x="0" y="0"/>
-          <a:ext cx="0" cy="0"/>
-          <a:chOff x="0" y="0"/>
-          <a:chExt cx="0" cy="0"/>
-        </a:xfrm>
-      </p:grpSpPr>
-      <p:sp>
-        <p:nvSpPr>
-          <p:cNvPr id="5" name="Titre 1"/>
-          <p:cNvSpPr>
-            <a:spLocks noGrp="1"/>
-          </p:cNvSpPr>
-          <p:nvPr>
-            <p:ph type="title"/>
-          </p:nvPr>
-        </p:nvSpPr>
-        <p:spPr>
-          <a:xfrm>
-            <a:off x="0" y="188640"/>
-            <a:ext cx="9144000" cy="634082"/>
-          </a:xfrm>
-        </p:spPr>
-        <p:txBody>
-          <a:bodyPr>
-            <a:normAutofit fontScale="90000"/>
-          </a:bodyPr>
-          <a:lstStyle/>
-          <a:p>
-            <a:r>
-              <a:rPr lang="fr-FR" b="1" dirty="0" smtClean="0">
-                <a:solidFill>
-                  <a:schemeClr val="accent2">
-                    <a:lumMod val="75000"/>
-                  </a:schemeClr>
-                </a:solidFill>
-              </a:rPr>
-              <a:t>Solubilité de CaCO</a:t>
-            </a:r>
-            <a:r>
-              <a:rPr lang="fr-FR" b="1" baseline="-25000" dirty="0" smtClean="0">
-                <a:solidFill>
-                  <a:schemeClr val="accent2">
-                    <a:lumMod val="75000"/>
-                  </a:schemeClr>
-                </a:solidFill>
-              </a:rPr>
-              <a:t>3</a:t>
-            </a:r>
-            <a:r>
-              <a:rPr lang="fr-FR" b="1" dirty="0" smtClean="0">
-                <a:solidFill>
-                  <a:schemeClr val="accent2">
-                    <a:lumMod val="75000"/>
-                  </a:schemeClr>
-                </a:solidFill>
-              </a:rPr>
-              <a:t> en fonction du pH</a:t>
-            </a:r>
-            <a:endParaRPr lang="fr-FR" b="1" dirty="0">
-              <a:solidFill>
-                <a:schemeClr val="accent2">
-                  <a:lumMod val="75000"/>
-                </a:schemeClr>
-              </a:solidFill>
-            </a:endParaRPr>
-          </a:p>
-        </p:txBody>
-      </p:sp>
-      <p:sp>
-        <p:nvSpPr>
-          <p:cNvPr id="3" name="ZoneTexte 2"/>
-          <p:cNvSpPr txBox="1"/>
-          <p:nvPr/>
-        </p:nvSpPr>
-        <p:spPr>
-          <a:xfrm>
-            <a:off x="323528" y="1340768"/>
-            <a:ext cx="8276625" cy="3416320"/>
-          </a:xfrm>
-          <a:prstGeom prst="rect">
-            <a:avLst/>
-          </a:prstGeom>
-          <a:noFill/>
-        </p:spPr>
-        <p:txBody>
-          <a:bodyPr wrap="none" rtlCol="0">
-            <a:spAutoFit/>
-          </a:bodyPr>
-          <a:lstStyle/>
-          <a:p>
-            <a:r>
-              <a:rPr lang="fr-FR" sz="2400" dirty="0" smtClean="0"/>
-              <a:t>CaCO</a:t>
-            </a:r>
-            <a:r>
-              <a:rPr lang="fr-FR" sz="2400" baseline="-25000" dirty="0" smtClean="0"/>
-              <a:t>3</a:t>
-            </a:r>
-            <a:r>
-              <a:rPr lang="fr-FR" sz="2400" dirty="0" smtClean="0"/>
-              <a:t>(s) = Ca</a:t>
-            </a:r>
-            <a:r>
-              <a:rPr lang="fr-FR" sz="2400" baseline="30000" dirty="0" smtClean="0"/>
-              <a:t>2+</a:t>
-            </a:r>
-            <a:r>
-              <a:rPr lang="fr-FR" sz="2400" dirty="0" smtClean="0"/>
-              <a:t>(</a:t>
-            </a:r>
-            <a:r>
-              <a:rPr lang="fr-FR" sz="2400" dirty="0" err="1" smtClean="0"/>
-              <a:t>aq</a:t>
-            </a:r>
-            <a:r>
-              <a:rPr lang="fr-FR" sz="2400" dirty="0" smtClean="0"/>
-              <a:t>) + </a:t>
-            </a:r>
-            <a:r>
-              <a:rPr lang="fr-FR" sz="2400" dirty="0" smtClean="0">
-                <a:solidFill>
-                  <a:srgbClr val="FF0000"/>
-                </a:solidFill>
-              </a:rPr>
-              <a:t>CO</a:t>
-            </a:r>
-            <a:r>
-              <a:rPr lang="fr-FR" sz="2400" baseline="-25000" dirty="0" smtClean="0">
-                <a:solidFill>
-                  <a:srgbClr val="FF0000"/>
-                </a:solidFill>
-              </a:rPr>
-              <a:t>3</a:t>
-            </a:r>
-            <a:r>
-              <a:rPr lang="fr-FR" sz="2400" baseline="30000" dirty="0" smtClean="0">
-                <a:solidFill>
-                  <a:srgbClr val="FF0000"/>
-                </a:solidFill>
-              </a:rPr>
-              <a:t>2-</a:t>
-            </a:r>
-            <a:r>
-              <a:rPr lang="fr-FR" sz="2400" dirty="0" smtClean="0">
-                <a:solidFill>
-                  <a:srgbClr val="FF0000"/>
-                </a:solidFill>
-              </a:rPr>
-              <a:t> </a:t>
-            </a:r>
-            <a:r>
-              <a:rPr lang="fr-FR" sz="2400" dirty="0" smtClean="0"/>
-              <a:t>(</a:t>
-            </a:r>
-            <a:r>
-              <a:rPr lang="fr-FR" sz="2400" dirty="0" err="1" smtClean="0"/>
-              <a:t>aq</a:t>
-            </a:r>
-            <a:r>
-              <a:rPr lang="fr-FR" sz="2400" dirty="0" smtClean="0"/>
-              <a:t>)                         </a:t>
-            </a:r>
-            <a:r>
-              <a:rPr lang="fr-FR" sz="2400" b="1" dirty="0" err="1" smtClean="0"/>
-              <a:t>pKs</a:t>
-            </a:r>
-            <a:r>
-              <a:rPr lang="fr-FR" sz="2400" b="1" dirty="0" smtClean="0"/>
-              <a:t> = 8,3 à 298 K</a:t>
-            </a:r>
-          </a:p>
-          <a:p>
-            <a:endParaRPr lang="fr-FR" sz="2400" b="1" dirty="0"/>
-          </a:p>
-          <a:p>
-            <a:r>
-              <a:rPr lang="fr-FR" sz="2400" b="1" u="sng" dirty="0" smtClean="0"/>
-              <a:t>Couple HCO</a:t>
-            </a:r>
-            <a:r>
-              <a:rPr lang="fr-FR" sz="2400" b="1" u="sng" baseline="-25000" dirty="0" smtClean="0"/>
-              <a:t>3</a:t>
-            </a:r>
-            <a:r>
-              <a:rPr lang="fr-FR" sz="2400" b="1" u="sng" baseline="30000" dirty="0" smtClean="0"/>
-              <a:t>-</a:t>
-            </a:r>
-            <a:r>
-              <a:rPr lang="fr-FR" sz="2400" b="1" u="sng" dirty="0" smtClean="0"/>
-              <a:t>/</a:t>
-            </a:r>
-            <a:r>
-              <a:rPr lang="fr-FR" sz="2400" b="1" u="sng" dirty="0" smtClean="0">
-                <a:solidFill>
-                  <a:srgbClr val="FF0000"/>
-                </a:solidFill>
-              </a:rPr>
-              <a:t>CO</a:t>
-            </a:r>
-            <a:r>
-              <a:rPr lang="fr-FR" sz="2400" b="1" u="sng" baseline="-25000" dirty="0" smtClean="0">
-                <a:solidFill>
-                  <a:srgbClr val="FF0000"/>
-                </a:solidFill>
-              </a:rPr>
-              <a:t>3</a:t>
-            </a:r>
-            <a:r>
-              <a:rPr lang="fr-FR" sz="2400" b="1" u="sng" baseline="30000" dirty="0" smtClean="0">
-                <a:solidFill>
-                  <a:srgbClr val="FF0000"/>
-                </a:solidFill>
-              </a:rPr>
-              <a:t>2- </a:t>
-            </a:r>
-            <a:r>
-              <a:rPr lang="fr-FR" sz="2400" b="1" u="sng" dirty="0" smtClean="0"/>
-              <a:t>:</a:t>
-            </a:r>
-          </a:p>
-          <a:p>
-            <a:endParaRPr lang="fr-FR" sz="2400" dirty="0" smtClean="0"/>
-          </a:p>
-          <a:p>
-            <a:r>
-              <a:rPr lang="fr-FR" sz="2400" dirty="0" smtClean="0"/>
-              <a:t>HCO</a:t>
-            </a:r>
-            <a:r>
-              <a:rPr lang="fr-FR" sz="2400" baseline="-25000" dirty="0" smtClean="0"/>
-              <a:t>3</a:t>
-            </a:r>
-            <a:r>
-              <a:rPr lang="fr-FR" sz="2400" baseline="30000" dirty="0" smtClean="0"/>
-              <a:t>-</a:t>
-            </a:r>
-            <a:r>
-              <a:rPr lang="fr-FR" sz="2400" dirty="0"/>
-              <a:t> </a:t>
-            </a:r>
-            <a:r>
-              <a:rPr lang="fr-FR" sz="2400" dirty="0" smtClean="0"/>
-              <a:t>(</a:t>
-            </a:r>
-            <a:r>
-              <a:rPr lang="fr-FR" sz="2400" dirty="0" err="1" smtClean="0"/>
-              <a:t>aq</a:t>
-            </a:r>
-            <a:r>
-              <a:rPr lang="fr-FR" sz="2400" dirty="0" smtClean="0"/>
-              <a:t>) + H2O(l)  = CO</a:t>
-            </a:r>
-            <a:r>
-              <a:rPr lang="fr-FR" sz="2400" baseline="-25000" dirty="0" smtClean="0"/>
-              <a:t>3</a:t>
-            </a:r>
-            <a:r>
-              <a:rPr lang="fr-FR" sz="2400" baseline="30000" dirty="0" smtClean="0"/>
-              <a:t>2-</a:t>
-            </a:r>
-            <a:r>
-              <a:rPr lang="fr-FR" sz="2400" dirty="0" smtClean="0"/>
-              <a:t>(</a:t>
-            </a:r>
-            <a:r>
-              <a:rPr lang="fr-FR" sz="2400" dirty="0" err="1" smtClean="0"/>
-              <a:t>aq</a:t>
-            </a:r>
-            <a:r>
-              <a:rPr lang="fr-FR" sz="2400" dirty="0" smtClean="0"/>
-              <a:t>) + H</a:t>
-            </a:r>
-            <a:r>
-              <a:rPr lang="fr-FR" sz="2400" baseline="-25000" dirty="0" smtClean="0"/>
-              <a:t>3</a:t>
-            </a:r>
-            <a:r>
-              <a:rPr lang="fr-FR" sz="2400" dirty="0" smtClean="0"/>
-              <a:t>O</a:t>
-            </a:r>
-            <a:r>
-              <a:rPr lang="fr-FR" sz="2400" baseline="30000" dirty="0" smtClean="0"/>
-              <a:t>+</a:t>
-            </a:r>
-            <a:r>
-              <a:rPr lang="fr-FR" sz="2400" dirty="0" smtClean="0"/>
-              <a:t>(</a:t>
-            </a:r>
-            <a:r>
-              <a:rPr lang="fr-FR" sz="2400" dirty="0" err="1" smtClean="0"/>
-              <a:t>aq</a:t>
-            </a:r>
-            <a:r>
-              <a:rPr lang="fr-FR" sz="2400" dirty="0" smtClean="0"/>
-              <a:t>)     </a:t>
-            </a:r>
-            <a:r>
-              <a:rPr lang="fr-FR" sz="2400" b="1" dirty="0" smtClean="0"/>
-              <a:t>pKA</a:t>
-            </a:r>
-            <a:r>
-              <a:rPr lang="fr-FR" sz="2400" b="1" baseline="-25000" dirty="0" smtClean="0"/>
-              <a:t>1</a:t>
-            </a:r>
-            <a:r>
-              <a:rPr lang="fr-FR" sz="2400" b="1" dirty="0" smtClean="0"/>
-              <a:t> = 10,3 à 298 K</a:t>
-            </a:r>
-          </a:p>
-          <a:p>
-            <a:endParaRPr lang="fr-FR" sz="2400" b="1" dirty="0" smtClean="0"/>
-          </a:p>
-          <a:p>
-            <a:r>
-              <a:rPr lang="fr-FR" sz="2400" b="1" u="sng" dirty="0"/>
-              <a:t>Couple </a:t>
-            </a:r>
-            <a:r>
-              <a:rPr lang="fr-FR" sz="2400" b="1" u="sng" dirty="0" smtClean="0"/>
-              <a:t>H</a:t>
-            </a:r>
-            <a:r>
-              <a:rPr lang="fr-FR" sz="2400" b="1" u="sng" baseline="-25000" dirty="0" smtClean="0"/>
-              <a:t>2</a:t>
-            </a:r>
-            <a:r>
-              <a:rPr lang="fr-FR" sz="2400" b="1" u="sng" dirty="0" smtClean="0"/>
-              <a:t>CO</a:t>
-            </a:r>
-            <a:r>
-              <a:rPr lang="fr-FR" sz="2400" b="1" u="sng" baseline="-25000" dirty="0" smtClean="0"/>
-              <a:t>3</a:t>
-            </a:r>
-            <a:r>
-              <a:rPr lang="fr-FR" sz="2400" b="1" u="sng" baseline="30000" dirty="0"/>
-              <a:t>-</a:t>
-            </a:r>
-            <a:r>
-              <a:rPr lang="fr-FR" sz="2400" b="1" u="sng" dirty="0" smtClean="0"/>
-              <a:t>/HCO</a:t>
-            </a:r>
-            <a:r>
-              <a:rPr lang="fr-FR" sz="2400" b="1" u="sng" baseline="-25000" dirty="0" smtClean="0"/>
-              <a:t>3</a:t>
-            </a:r>
-            <a:r>
-              <a:rPr lang="fr-FR" sz="2400" b="1" u="sng" baseline="30000" dirty="0" smtClean="0"/>
-              <a:t>- </a:t>
-            </a:r>
-            <a:r>
-              <a:rPr lang="fr-FR" sz="2400" b="1" u="sng" dirty="0"/>
-              <a:t>:</a:t>
-            </a:r>
-          </a:p>
-          <a:p>
-            <a:endParaRPr lang="fr-FR" sz="2400" dirty="0" smtClean="0"/>
-          </a:p>
-          <a:p>
-            <a:r>
-              <a:rPr lang="fr-FR" sz="2400" dirty="0" smtClean="0"/>
-              <a:t>H</a:t>
-            </a:r>
-            <a:r>
-              <a:rPr lang="fr-FR" sz="2400" baseline="-25000" dirty="0" smtClean="0"/>
-              <a:t>2</a:t>
-            </a:r>
-            <a:r>
-              <a:rPr lang="fr-FR" sz="2400" dirty="0" smtClean="0"/>
-              <a:t>CO</a:t>
-            </a:r>
-            <a:r>
-              <a:rPr lang="fr-FR" sz="2400" baseline="-25000" dirty="0" smtClean="0"/>
-              <a:t>3</a:t>
-            </a:r>
-            <a:r>
-              <a:rPr lang="fr-FR" sz="2400" baseline="30000" dirty="0" smtClean="0"/>
-              <a:t>2</a:t>
-            </a:r>
-            <a:r>
-              <a:rPr lang="fr-FR" sz="2400" baseline="30000" dirty="0"/>
-              <a:t>-</a:t>
-            </a:r>
-            <a:r>
-              <a:rPr lang="fr-FR" sz="2400" dirty="0"/>
-              <a:t>(</a:t>
-            </a:r>
-            <a:r>
-              <a:rPr lang="fr-FR" sz="2400" dirty="0" err="1"/>
-              <a:t>aq</a:t>
-            </a:r>
-            <a:r>
-              <a:rPr lang="fr-FR" sz="2400" dirty="0"/>
-              <a:t>) + </a:t>
-            </a:r>
-            <a:r>
-              <a:rPr lang="fr-FR" sz="2400" dirty="0" smtClean="0"/>
-              <a:t>H</a:t>
-            </a:r>
-            <a:r>
-              <a:rPr lang="fr-FR" sz="2400" baseline="-25000" dirty="0" smtClean="0"/>
-              <a:t>2</a:t>
-            </a:r>
-            <a:r>
-              <a:rPr lang="fr-FR" sz="2400" dirty="0" smtClean="0"/>
-              <a:t>O(l) = </a:t>
-            </a:r>
-            <a:r>
-              <a:rPr lang="fr-FR" sz="2400" dirty="0"/>
-              <a:t>HCO</a:t>
-            </a:r>
-            <a:r>
-              <a:rPr lang="fr-FR" sz="2400" baseline="-25000" dirty="0"/>
-              <a:t>3</a:t>
-            </a:r>
-            <a:r>
-              <a:rPr lang="fr-FR" sz="2400" baseline="30000" dirty="0"/>
-              <a:t>-</a:t>
-            </a:r>
-            <a:r>
-              <a:rPr lang="fr-FR" sz="2400" dirty="0"/>
-              <a:t> (</a:t>
-            </a:r>
-            <a:r>
-              <a:rPr lang="fr-FR" sz="2400" dirty="0" err="1"/>
-              <a:t>aq</a:t>
-            </a:r>
-            <a:r>
-              <a:rPr lang="fr-FR" sz="2400" dirty="0"/>
-              <a:t>) + H</a:t>
-            </a:r>
-            <a:r>
-              <a:rPr lang="fr-FR" sz="2400" baseline="-25000" dirty="0"/>
-              <a:t>3</a:t>
-            </a:r>
-            <a:r>
-              <a:rPr lang="fr-FR" sz="2400" dirty="0"/>
-              <a:t>O</a:t>
-            </a:r>
-            <a:r>
-              <a:rPr lang="fr-FR" sz="2400" baseline="30000" dirty="0"/>
-              <a:t>+</a:t>
-            </a:r>
-            <a:r>
-              <a:rPr lang="fr-FR" sz="2400" dirty="0"/>
-              <a:t>(</a:t>
-            </a:r>
-            <a:r>
-              <a:rPr lang="fr-FR" sz="2400" dirty="0" err="1"/>
-              <a:t>aq</a:t>
-            </a:r>
-            <a:r>
-              <a:rPr lang="fr-FR" sz="2400" dirty="0"/>
-              <a:t>) </a:t>
-            </a:r>
-            <a:r>
-              <a:rPr lang="fr-FR" sz="2400" dirty="0" smtClean="0"/>
-              <a:t> </a:t>
-            </a:r>
-            <a:r>
-              <a:rPr lang="fr-FR" sz="2400" b="1" dirty="0" smtClean="0"/>
-              <a:t>pKA</a:t>
-            </a:r>
-            <a:r>
-              <a:rPr lang="fr-FR" sz="2400" b="1" baseline="-25000" dirty="0" smtClean="0"/>
-              <a:t>2</a:t>
-            </a:r>
-            <a:r>
-              <a:rPr lang="fr-FR" sz="2400" b="1" dirty="0" smtClean="0"/>
-              <a:t> =6,4 à 298 K </a:t>
-            </a:r>
-            <a:endParaRPr lang="fr-FR" sz="2400" b="1" baseline="-25000" dirty="0"/>
-          </a:p>
-        </p:txBody>
-      </p:sp>
-    </p:spTree>
-    <p:extLst>
-      <p:ext uri="{BB962C8B-B14F-4D97-AF65-F5344CB8AC3E}">
-        <p14:creationId xmlns:p14="http://schemas.microsoft.com/office/powerpoint/2010/main" val="2142468194"/>
-      </p:ext>
-    </p:extLst>
-  </p:cSld>
-  <p:clrMapOvr>
-    <a:masterClrMapping/>
-  </p:clrMapOvr>
-</p:sld>
-</file>
-
 <file path=ppt/slides/slide8.xml><?xml version="1.0" encoding="utf-8"?>
 <p:sld xmlns:a="http://schemas.openxmlformats.org/drawingml/2006/main" xmlns:r="http://schemas.openxmlformats.org/officeDocument/2006/relationships" xmlns:p="http://schemas.openxmlformats.org/presentationml/2006/main">
   <p:cSld>
@@ -11377,6 +11627,504 @@
           <a:lstStyle/>
           <a:p>
             <a:r>
+              <a:rPr lang="fr-FR" b="1" dirty="0" smtClean="0">
+                <a:solidFill>
+                  <a:schemeClr val="accent2">
+                    <a:lumMod val="75000"/>
+                  </a:schemeClr>
+                </a:solidFill>
+              </a:rPr>
+              <a:t>Solubilité de CaCO</a:t>
+            </a:r>
+            <a:r>
+              <a:rPr lang="fr-FR" b="1" baseline="-25000" dirty="0" smtClean="0">
+                <a:solidFill>
+                  <a:schemeClr val="accent2">
+                    <a:lumMod val="75000"/>
+                  </a:schemeClr>
+                </a:solidFill>
+              </a:rPr>
+              <a:t>3</a:t>
+            </a:r>
+            <a:r>
+              <a:rPr lang="fr-FR" b="1" dirty="0" smtClean="0">
+                <a:solidFill>
+                  <a:schemeClr val="accent2">
+                    <a:lumMod val="75000"/>
+                  </a:schemeClr>
+                </a:solidFill>
+              </a:rPr>
+              <a:t> en fonction du pH</a:t>
+            </a:r>
+            <a:endParaRPr lang="fr-FR" b="1" dirty="0">
+              <a:solidFill>
+                <a:schemeClr val="accent2">
+                  <a:lumMod val="75000"/>
+                </a:schemeClr>
+              </a:solidFill>
+            </a:endParaRPr>
+          </a:p>
+        </p:txBody>
+      </p:sp>
+      <p:sp>
+        <p:nvSpPr>
+          <p:cNvPr id="3" name="ZoneTexte 2"/>
+          <p:cNvSpPr txBox="1"/>
+          <p:nvPr/>
+        </p:nvSpPr>
+        <p:spPr>
+          <a:xfrm>
+            <a:off x="323528" y="1340768"/>
+            <a:ext cx="8276625" cy="3416320"/>
+          </a:xfrm>
+          <a:prstGeom prst="rect">
+            <a:avLst/>
+          </a:prstGeom>
+          <a:noFill/>
+        </p:spPr>
+        <p:txBody>
+          <a:bodyPr wrap="none" rtlCol="0">
+            <a:spAutoFit/>
+          </a:bodyPr>
+          <a:lstStyle/>
+          <a:p>
+            <a:r>
+              <a:rPr lang="fr-FR" sz="2400" dirty="0" smtClean="0"/>
+              <a:t>CaCO</a:t>
+            </a:r>
+            <a:r>
+              <a:rPr lang="fr-FR" sz="2400" baseline="-25000" dirty="0" smtClean="0"/>
+              <a:t>3</a:t>
+            </a:r>
+            <a:r>
+              <a:rPr lang="fr-FR" sz="2400" dirty="0" smtClean="0"/>
+              <a:t>(s) = Ca</a:t>
+            </a:r>
+            <a:r>
+              <a:rPr lang="fr-FR" sz="2400" baseline="30000" dirty="0" smtClean="0"/>
+              <a:t>2+</a:t>
+            </a:r>
+            <a:r>
+              <a:rPr lang="fr-FR" sz="2400" dirty="0" smtClean="0"/>
+              <a:t>(</a:t>
+            </a:r>
+            <a:r>
+              <a:rPr lang="fr-FR" sz="2400" dirty="0" err="1" smtClean="0"/>
+              <a:t>aq</a:t>
+            </a:r>
+            <a:r>
+              <a:rPr lang="fr-FR" sz="2400" dirty="0" smtClean="0"/>
+              <a:t>) + </a:t>
+            </a:r>
+            <a:r>
+              <a:rPr lang="fr-FR" sz="2400" dirty="0" smtClean="0">
+                <a:solidFill>
+                  <a:srgbClr val="FF0000"/>
+                </a:solidFill>
+              </a:rPr>
+              <a:t>CO</a:t>
+            </a:r>
+            <a:r>
+              <a:rPr lang="fr-FR" sz="2400" baseline="-25000" dirty="0" smtClean="0">
+                <a:solidFill>
+                  <a:srgbClr val="FF0000"/>
+                </a:solidFill>
+              </a:rPr>
+              <a:t>3</a:t>
+            </a:r>
+            <a:r>
+              <a:rPr lang="fr-FR" sz="2400" baseline="30000" dirty="0" smtClean="0">
+                <a:solidFill>
+                  <a:srgbClr val="FF0000"/>
+                </a:solidFill>
+              </a:rPr>
+              <a:t>2-</a:t>
+            </a:r>
+            <a:r>
+              <a:rPr lang="fr-FR" sz="2400" dirty="0" smtClean="0">
+                <a:solidFill>
+                  <a:srgbClr val="FF0000"/>
+                </a:solidFill>
+              </a:rPr>
+              <a:t> </a:t>
+            </a:r>
+            <a:r>
+              <a:rPr lang="fr-FR" sz="2400" dirty="0" smtClean="0"/>
+              <a:t>(</a:t>
+            </a:r>
+            <a:r>
+              <a:rPr lang="fr-FR" sz="2400" dirty="0" err="1" smtClean="0"/>
+              <a:t>aq</a:t>
+            </a:r>
+            <a:r>
+              <a:rPr lang="fr-FR" sz="2400" dirty="0" smtClean="0"/>
+              <a:t>)                         </a:t>
+            </a:r>
+            <a:r>
+              <a:rPr lang="fr-FR" sz="2400" b="1" dirty="0" err="1" smtClean="0"/>
+              <a:t>pKs</a:t>
+            </a:r>
+            <a:r>
+              <a:rPr lang="fr-FR" sz="2400" b="1" dirty="0" smtClean="0"/>
+              <a:t> = 8,3 à 298 K</a:t>
+            </a:r>
+          </a:p>
+          <a:p>
+            <a:endParaRPr lang="fr-FR" sz="2400" b="1" dirty="0"/>
+          </a:p>
+          <a:p>
+            <a:r>
+              <a:rPr lang="fr-FR" sz="2400" b="1" u="sng" dirty="0" smtClean="0"/>
+              <a:t>Couple HCO</a:t>
+            </a:r>
+            <a:r>
+              <a:rPr lang="fr-FR" sz="2400" b="1" u="sng" baseline="-25000" dirty="0" smtClean="0"/>
+              <a:t>3</a:t>
+            </a:r>
+            <a:r>
+              <a:rPr lang="fr-FR" sz="2400" b="1" u="sng" baseline="30000" dirty="0" smtClean="0"/>
+              <a:t>-</a:t>
+            </a:r>
+            <a:r>
+              <a:rPr lang="fr-FR" sz="2400" b="1" u="sng" dirty="0" smtClean="0"/>
+              <a:t>/</a:t>
+            </a:r>
+            <a:r>
+              <a:rPr lang="fr-FR" sz="2400" b="1" u="sng" dirty="0" smtClean="0">
+                <a:solidFill>
+                  <a:srgbClr val="FF0000"/>
+                </a:solidFill>
+              </a:rPr>
+              <a:t>CO</a:t>
+            </a:r>
+            <a:r>
+              <a:rPr lang="fr-FR" sz="2400" b="1" u="sng" baseline="-25000" dirty="0" smtClean="0">
+                <a:solidFill>
+                  <a:srgbClr val="FF0000"/>
+                </a:solidFill>
+              </a:rPr>
+              <a:t>3</a:t>
+            </a:r>
+            <a:r>
+              <a:rPr lang="fr-FR" sz="2400" b="1" u="sng" baseline="30000" dirty="0" smtClean="0">
+                <a:solidFill>
+                  <a:srgbClr val="FF0000"/>
+                </a:solidFill>
+              </a:rPr>
+              <a:t>2- </a:t>
+            </a:r>
+            <a:r>
+              <a:rPr lang="fr-FR" sz="2400" b="1" u="sng" dirty="0" smtClean="0"/>
+              <a:t>:</a:t>
+            </a:r>
+          </a:p>
+          <a:p>
+            <a:endParaRPr lang="fr-FR" sz="2400" dirty="0" smtClean="0"/>
+          </a:p>
+          <a:p>
+            <a:r>
+              <a:rPr lang="fr-FR" sz="2400" dirty="0" smtClean="0"/>
+              <a:t>HCO</a:t>
+            </a:r>
+            <a:r>
+              <a:rPr lang="fr-FR" sz="2400" baseline="-25000" dirty="0" smtClean="0"/>
+              <a:t>3</a:t>
+            </a:r>
+            <a:r>
+              <a:rPr lang="fr-FR" sz="2400" baseline="30000" dirty="0" smtClean="0"/>
+              <a:t>-</a:t>
+            </a:r>
+            <a:r>
+              <a:rPr lang="fr-FR" sz="2400" dirty="0"/>
+              <a:t> </a:t>
+            </a:r>
+            <a:r>
+              <a:rPr lang="fr-FR" sz="2400" dirty="0" smtClean="0"/>
+              <a:t>(</a:t>
+            </a:r>
+            <a:r>
+              <a:rPr lang="fr-FR" sz="2400" dirty="0" err="1" smtClean="0"/>
+              <a:t>aq</a:t>
+            </a:r>
+            <a:r>
+              <a:rPr lang="fr-FR" sz="2400" dirty="0" smtClean="0"/>
+              <a:t>) + H2O(l)  = CO</a:t>
+            </a:r>
+            <a:r>
+              <a:rPr lang="fr-FR" sz="2400" baseline="-25000" dirty="0" smtClean="0"/>
+              <a:t>3</a:t>
+            </a:r>
+            <a:r>
+              <a:rPr lang="fr-FR" sz="2400" baseline="30000" dirty="0" smtClean="0"/>
+              <a:t>2-</a:t>
+            </a:r>
+            <a:r>
+              <a:rPr lang="fr-FR" sz="2400" dirty="0" smtClean="0"/>
+              <a:t>(</a:t>
+            </a:r>
+            <a:r>
+              <a:rPr lang="fr-FR" sz="2400" dirty="0" err="1" smtClean="0"/>
+              <a:t>aq</a:t>
+            </a:r>
+            <a:r>
+              <a:rPr lang="fr-FR" sz="2400" dirty="0" smtClean="0"/>
+              <a:t>) + H</a:t>
+            </a:r>
+            <a:r>
+              <a:rPr lang="fr-FR" sz="2400" baseline="-25000" dirty="0" smtClean="0"/>
+              <a:t>3</a:t>
+            </a:r>
+            <a:r>
+              <a:rPr lang="fr-FR" sz="2400" dirty="0" smtClean="0"/>
+              <a:t>O</a:t>
+            </a:r>
+            <a:r>
+              <a:rPr lang="fr-FR" sz="2400" baseline="30000" dirty="0" smtClean="0"/>
+              <a:t>+</a:t>
+            </a:r>
+            <a:r>
+              <a:rPr lang="fr-FR" sz="2400" dirty="0" smtClean="0"/>
+              <a:t>(</a:t>
+            </a:r>
+            <a:r>
+              <a:rPr lang="fr-FR" sz="2400" dirty="0" err="1" smtClean="0"/>
+              <a:t>aq</a:t>
+            </a:r>
+            <a:r>
+              <a:rPr lang="fr-FR" sz="2400" dirty="0" smtClean="0"/>
+              <a:t>)     </a:t>
+            </a:r>
+            <a:r>
+              <a:rPr lang="fr-FR" sz="2400" b="1" dirty="0" smtClean="0"/>
+              <a:t>pKA</a:t>
+            </a:r>
+            <a:r>
+              <a:rPr lang="fr-FR" sz="2400" b="1" baseline="-25000" dirty="0" smtClean="0"/>
+              <a:t>1</a:t>
+            </a:r>
+            <a:r>
+              <a:rPr lang="fr-FR" sz="2400" b="1" dirty="0" smtClean="0"/>
+              <a:t> = 10,3 à 298 K</a:t>
+            </a:r>
+          </a:p>
+          <a:p>
+            <a:endParaRPr lang="fr-FR" sz="2400" b="1" dirty="0" smtClean="0"/>
+          </a:p>
+          <a:p>
+            <a:r>
+              <a:rPr lang="fr-FR" sz="2400" b="1" u="sng" dirty="0"/>
+              <a:t>Couple </a:t>
+            </a:r>
+            <a:r>
+              <a:rPr lang="fr-FR" sz="2400" b="1" u="sng" dirty="0" smtClean="0"/>
+              <a:t>H</a:t>
+            </a:r>
+            <a:r>
+              <a:rPr lang="fr-FR" sz="2400" b="1" u="sng" baseline="-25000" dirty="0" smtClean="0"/>
+              <a:t>2</a:t>
+            </a:r>
+            <a:r>
+              <a:rPr lang="fr-FR" sz="2400" b="1" u="sng" dirty="0" smtClean="0"/>
+              <a:t>CO</a:t>
+            </a:r>
+            <a:r>
+              <a:rPr lang="fr-FR" sz="2400" b="1" u="sng" baseline="-25000" dirty="0" smtClean="0"/>
+              <a:t>3</a:t>
+            </a:r>
+            <a:r>
+              <a:rPr lang="fr-FR" sz="2400" b="1" u="sng" baseline="30000" dirty="0"/>
+              <a:t>-</a:t>
+            </a:r>
+            <a:r>
+              <a:rPr lang="fr-FR" sz="2400" b="1" u="sng" dirty="0" smtClean="0"/>
+              <a:t>/HCO</a:t>
+            </a:r>
+            <a:r>
+              <a:rPr lang="fr-FR" sz="2400" b="1" u="sng" baseline="-25000" dirty="0" smtClean="0"/>
+              <a:t>3</a:t>
+            </a:r>
+            <a:r>
+              <a:rPr lang="fr-FR" sz="2400" b="1" u="sng" baseline="30000" dirty="0" smtClean="0"/>
+              <a:t>- </a:t>
+            </a:r>
+            <a:r>
+              <a:rPr lang="fr-FR" sz="2400" b="1" u="sng" dirty="0"/>
+              <a:t>:</a:t>
+            </a:r>
+          </a:p>
+          <a:p>
+            <a:endParaRPr lang="fr-FR" sz="2400" dirty="0" smtClean="0"/>
+          </a:p>
+          <a:p>
+            <a:r>
+              <a:rPr lang="fr-FR" sz="2400" dirty="0" smtClean="0"/>
+              <a:t>H</a:t>
+            </a:r>
+            <a:r>
+              <a:rPr lang="fr-FR" sz="2400" baseline="-25000" dirty="0" smtClean="0"/>
+              <a:t>2</a:t>
+            </a:r>
+            <a:r>
+              <a:rPr lang="fr-FR" sz="2400" dirty="0" smtClean="0"/>
+              <a:t>CO</a:t>
+            </a:r>
+            <a:r>
+              <a:rPr lang="fr-FR" sz="2400" baseline="-25000" dirty="0" smtClean="0"/>
+              <a:t>3</a:t>
+            </a:r>
+            <a:r>
+              <a:rPr lang="fr-FR" sz="2400" baseline="30000" dirty="0" smtClean="0"/>
+              <a:t>2</a:t>
+            </a:r>
+            <a:r>
+              <a:rPr lang="fr-FR" sz="2400" baseline="30000" dirty="0"/>
+              <a:t>-</a:t>
+            </a:r>
+            <a:r>
+              <a:rPr lang="fr-FR" sz="2400" dirty="0"/>
+              <a:t>(</a:t>
+            </a:r>
+            <a:r>
+              <a:rPr lang="fr-FR" sz="2400" dirty="0" err="1"/>
+              <a:t>aq</a:t>
+            </a:r>
+            <a:r>
+              <a:rPr lang="fr-FR" sz="2400" dirty="0"/>
+              <a:t>) + </a:t>
+            </a:r>
+            <a:r>
+              <a:rPr lang="fr-FR" sz="2400" dirty="0" smtClean="0"/>
+              <a:t>H</a:t>
+            </a:r>
+            <a:r>
+              <a:rPr lang="fr-FR" sz="2400" baseline="-25000" dirty="0" smtClean="0"/>
+              <a:t>2</a:t>
+            </a:r>
+            <a:r>
+              <a:rPr lang="fr-FR" sz="2400" dirty="0" smtClean="0"/>
+              <a:t>O(l) = </a:t>
+            </a:r>
+            <a:r>
+              <a:rPr lang="fr-FR" sz="2400" dirty="0"/>
+              <a:t>HCO</a:t>
+            </a:r>
+            <a:r>
+              <a:rPr lang="fr-FR" sz="2400" baseline="-25000" dirty="0"/>
+              <a:t>3</a:t>
+            </a:r>
+            <a:r>
+              <a:rPr lang="fr-FR" sz="2400" baseline="30000" dirty="0"/>
+              <a:t>-</a:t>
+            </a:r>
+            <a:r>
+              <a:rPr lang="fr-FR" sz="2400" dirty="0"/>
+              <a:t> (</a:t>
+            </a:r>
+            <a:r>
+              <a:rPr lang="fr-FR" sz="2400" dirty="0" err="1"/>
+              <a:t>aq</a:t>
+            </a:r>
+            <a:r>
+              <a:rPr lang="fr-FR" sz="2400" dirty="0"/>
+              <a:t>) + H</a:t>
+            </a:r>
+            <a:r>
+              <a:rPr lang="fr-FR" sz="2400" baseline="-25000" dirty="0"/>
+              <a:t>3</a:t>
+            </a:r>
+            <a:r>
+              <a:rPr lang="fr-FR" sz="2400" dirty="0"/>
+              <a:t>O</a:t>
+            </a:r>
+            <a:r>
+              <a:rPr lang="fr-FR" sz="2400" baseline="30000" dirty="0"/>
+              <a:t>+</a:t>
+            </a:r>
+            <a:r>
+              <a:rPr lang="fr-FR" sz="2400" dirty="0"/>
+              <a:t>(</a:t>
+            </a:r>
+            <a:r>
+              <a:rPr lang="fr-FR" sz="2400" dirty="0" err="1"/>
+              <a:t>aq</a:t>
+            </a:r>
+            <a:r>
+              <a:rPr lang="fr-FR" sz="2400" dirty="0"/>
+              <a:t>) </a:t>
+            </a:r>
+            <a:r>
+              <a:rPr lang="fr-FR" sz="2400" dirty="0" smtClean="0"/>
+              <a:t> </a:t>
+            </a:r>
+            <a:r>
+              <a:rPr lang="fr-FR" sz="2400" b="1" dirty="0" smtClean="0"/>
+              <a:t>pKA</a:t>
+            </a:r>
+            <a:r>
+              <a:rPr lang="fr-FR" sz="2400" b="1" baseline="-25000" dirty="0" smtClean="0"/>
+              <a:t>2</a:t>
+            </a:r>
+            <a:r>
+              <a:rPr lang="fr-FR" sz="2400" b="1" dirty="0" smtClean="0"/>
+              <a:t> =6,4 à 298 K </a:t>
+            </a:r>
+            <a:endParaRPr lang="fr-FR" sz="2400" b="1" baseline="-25000" dirty="0"/>
+          </a:p>
+        </p:txBody>
+      </p:sp>
+    </p:spTree>
+    <p:extLst>
+      <p:ext uri="{BB962C8B-B14F-4D97-AF65-F5344CB8AC3E}">
+        <p14:creationId xmlns:p14="http://schemas.microsoft.com/office/powerpoint/2010/main" val="2142468194"/>
+      </p:ext>
+    </p:extLst>
+  </p:cSld>
+  <p:clrMapOvr>
+    <a:masterClrMapping/>
+  </p:clrMapOvr>
+</p:sld>
+</file>
+
+<file path=ppt/slides/slide9.xml><?xml version="1.0" encoding="utf-8"?>
+<p:sld xmlns:a="http://schemas.openxmlformats.org/drawingml/2006/main" xmlns:r="http://schemas.openxmlformats.org/officeDocument/2006/relationships" xmlns:p="http://schemas.openxmlformats.org/presentationml/2006/main">
+  <p:cSld>
+    <p:spTree>
+      <p:nvGrpSpPr>
+        <p:cNvPr id="1" name=""/>
+        <p:cNvGrpSpPr/>
+        <p:nvPr/>
+      </p:nvGrpSpPr>
+      <p:grpSpPr>
+        <a:xfrm>
+          <a:off x="0" y="0"/>
+          <a:ext cx="0" cy="0"/>
+          <a:chOff x="0" y="0"/>
+          <a:chExt cx="0" cy="0"/>
+        </a:xfrm>
+      </p:grpSpPr>
+      <p:sp>
+        <p:nvSpPr>
+          <p:cNvPr id="5" name="Titre 1"/>
+          <p:cNvSpPr>
+            <a:spLocks noGrp="1"/>
+          </p:cNvSpPr>
+          <p:nvPr>
+            <p:ph type="title"/>
+          </p:nvPr>
+        </p:nvSpPr>
+        <p:spPr>
+          <a:xfrm>
+            <a:off x="0" y="188640"/>
+            <a:ext cx="9144000" cy="634082"/>
+          </a:xfrm>
+        </p:spPr>
+        <p:txBody>
+          <a:bodyPr>
+            <a:normAutofit fontScale="90000"/>
+          </a:bodyPr>
+          <a:lstStyle/>
+          <a:p>
+            <a:r>
               <a:rPr lang="fr-FR" dirty="0" smtClean="0">
                 <a:solidFill>
                   <a:schemeClr val="accent2">
@@ -11431,7 +12179,7 @@
           <p:cNvPr id="6" name="Espace réservé du contenu 6">
             <a:extLst>
               <a:ext uri="{FF2B5EF4-FFF2-40B4-BE49-F238E27FC236}">
-                <a16:creationId xmlns:a16="http://schemas.microsoft.com/office/drawing/2014/main" xmlns="" id="{AA05C4A7-8BE3-40C7-9111-93C2CB4DFFC5}"/>
+                <a16:creationId xmlns="" xmlns:a16="http://schemas.microsoft.com/office/drawing/2014/main" id="{AA05C4A7-8BE3-40C7-9111-93C2CB4DFFC5}"/>
               </a:ext>
             </a:extLst>
           </p:cNvPr>
@@ -11449,7 +12197,7 @@
                 <a14:useLocalDpi xmlns:a14="http://schemas.microsoft.com/office/drawing/2010/main" val="0"/>
               </a:ext>
               <a:ext uri="{96DAC541-7B7A-43D3-8B79-37D633B846F1}">
-                <asvg:svgBlip xmlns:asvg="http://schemas.microsoft.com/office/drawing/2016/SVG/main" xmlns="" r:embed="rId4"/>
+                <asvg:svgBlip xmlns="" xmlns:asvg="http://schemas.microsoft.com/office/drawing/2016/SVG/main" r:embed="rId4"/>
               </a:ext>
             </a:extLst>
           </a:blip>
@@ -11550,321 +12298,6 @@
         </p:txBody>
       </p:sp>
     </p:spTree>
-  </p:cSld>
-  <p:clrMapOvr>
-    <a:masterClrMapping/>
-  </p:clrMapOvr>
-</p:sld>
-</file>
-
-<file path=ppt/slides/slide9.xml><?xml version="1.0" encoding="utf-8"?>
-<p:sld xmlns:a="http://schemas.openxmlformats.org/drawingml/2006/main" xmlns:r="http://schemas.openxmlformats.org/officeDocument/2006/relationships" xmlns:p="http://schemas.openxmlformats.org/presentationml/2006/main">
-  <p:cSld>
-    <p:spTree>
-      <p:nvGrpSpPr>
-        <p:cNvPr id="1" name=""/>
-        <p:cNvGrpSpPr/>
-        <p:nvPr/>
-      </p:nvGrpSpPr>
-      <p:grpSpPr>
-        <a:xfrm>
-          <a:off x="0" y="0"/>
-          <a:ext cx="0" cy="0"/>
-          <a:chOff x="0" y="0"/>
-          <a:chExt cx="0" cy="0"/>
-        </a:xfrm>
-      </p:grpSpPr>
-      <p:pic>
-        <p:nvPicPr>
-          <p:cNvPr id="10" name="Espace réservé du contenu 6">
-            <a:extLst>
-              <a:ext uri="{FF2B5EF4-FFF2-40B4-BE49-F238E27FC236}">
-                <a16:creationId xmlns:a16="http://schemas.microsoft.com/office/drawing/2014/main" xmlns="" id="{EEA17541-157B-42FB-AB20-0892452A7838}"/>
-              </a:ext>
-            </a:extLst>
-          </p:cNvPr>
-          <p:cNvPicPr>
-            <a:picLocks noGrp="1" noChangeAspect="1"/>
-          </p:cNvPicPr>
-          <p:nvPr>
-            <p:ph idx="1"/>
-          </p:nvPr>
-        </p:nvPicPr>
-        <p:blipFill>
-          <a:blip r:embed="rId2" cstate="print">
-            <a:extLst>
-              <a:ext uri="{28A0092B-C50C-407E-A947-70E740481C1C}">
-                <a14:useLocalDpi xmlns:a14="http://schemas.microsoft.com/office/drawing/2010/main" val="0"/>
-              </a:ext>
-            </a:extLst>
-          </a:blip>
-          <a:stretch>
-            <a:fillRect/>
-          </a:stretch>
-        </p:blipFill>
-        <p:spPr>
-          <a:xfrm>
-            <a:off x="1331640" y="1412776"/>
-            <a:ext cx="6512349" cy="4884262"/>
-          </a:xfrm>
-        </p:spPr>
-      </p:pic>
-      <p:sp>
-        <p:nvSpPr>
-          <p:cNvPr id="4" name="Rectangle 3">
-            <a:extLst>
-              <a:ext uri="{FF2B5EF4-FFF2-40B4-BE49-F238E27FC236}">
-                <a16:creationId xmlns:a16="http://schemas.microsoft.com/office/drawing/2014/main" xmlns="" id="{7BA93292-D737-4203-B599-CF1A73B3CCEA}"/>
-              </a:ext>
-            </a:extLst>
-          </p:cNvPr>
-          <p:cNvSpPr/>
-          <p:nvPr/>
-        </p:nvSpPr>
-        <p:spPr>
-          <a:xfrm>
-            <a:off x="1665575" y="3140968"/>
-            <a:ext cx="170121" cy="1446028"/>
-          </a:xfrm>
-          <a:prstGeom prst="rect">
-            <a:avLst/>
-          </a:prstGeom>
-          <a:solidFill>
-            <a:schemeClr val="bg1"/>
-          </a:solidFill>
-          <a:ln>
-            <a:noFill/>
-          </a:ln>
-        </p:spPr>
-        <p:style>
-          <a:lnRef idx="2">
-            <a:schemeClr val="accent1">
-              <a:shade val="50000"/>
-            </a:schemeClr>
-          </a:lnRef>
-          <a:fillRef idx="1">
-            <a:schemeClr val="accent1"/>
-          </a:fillRef>
-          <a:effectRef idx="0">
-            <a:schemeClr val="accent1"/>
-          </a:effectRef>
-          <a:fontRef idx="minor">
-            <a:schemeClr val="lt1"/>
-          </a:fontRef>
-        </p:style>
-        <p:txBody>
-          <a:bodyPr rtlCol="0" anchor="ctr"/>
-          <a:lstStyle/>
-          <a:p>
-            <a:pPr algn="ctr"/>
-            <a:endParaRPr lang="fr-FR"/>
-          </a:p>
-        </p:txBody>
-      </p:sp>
-      <p:sp>
-        <p:nvSpPr>
-          <p:cNvPr id="7" name="ZoneTexte 6">
-            <a:extLst>
-              <a:ext uri="{FF2B5EF4-FFF2-40B4-BE49-F238E27FC236}">
-                <a16:creationId xmlns:a16="http://schemas.microsoft.com/office/drawing/2014/main" xmlns="" id="{72F5124C-E5D4-4934-9043-6EEC2339E01F}"/>
-              </a:ext>
-            </a:extLst>
-          </p:cNvPr>
-          <p:cNvSpPr txBox="1"/>
-          <p:nvPr/>
-        </p:nvSpPr>
-        <p:spPr>
-          <a:xfrm rot="16200000">
-            <a:off x="-205283" y="3741787"/>
-            <a:ext cx="3268384" cy="338554"/>
-          </a:xfrm>
-          <a:prstGeom prst="rect">
-            <a:avLst/>
-          </a:prstGeom>
-          <a:noFill/>
-        </p:spPr>
-        <p:txBody>
-          <a:bodyPr wrap="square" rtlCol="0">
-            <a:spAutoFit/>
-          </a:bodyPr>
-          <a:lstStyle/>
-          <a:p>
-            <a:r>
-              <a:rPr lang="fr-FR" sz="1600" dirty="0"/>
-              <a:t>Pourcentage de l’espèce considérée</a:t>
-            </a:r>
-          </a:p>
-        </p:txBody>
-      </p:sp>
-      <p:cxnSp>
-        <p:nvCxnSpPr>
-          <p:cNvPr id="8" name="Connecteur droit avec flèche 7">
-            <a:extLst>
-              <a:ext uri="{FF2B5EF4-FFF2-40B4-BE49-F238E27FC236}">
-                <a16:creationId xmlns:a16="http://schemas.microsoft.com/office/drawing/2014/main" xmlns="" id="{090B5CB9-E5B5-4C87-8C4D-AAC3A7A581D1}"/>
-              </a:ext>
-            </a:extLst>
-          </p:cNvPr>
-          <p:cNvCxnSpPr/>
-          <p:nvPr/>
-        </p:nvCxnSpPr>
-        <p:spPr>
-          <a:xfrm flipH="1">
-            <a:off x="4427984" y="3785191"/>
-            <a:ext cx="318977" cy="0"/>
-          </a:xfrm>
-          <a:prstGeom prst="straightConnector1">
-            <a:avLst/>
-          </a:prstGeom>
-          <a:ln>
-            <a:solidFill>
-              <a:srgbClr val="FFC000"/>
-            </a:solidFill>
-            <a:tailEnd type="triangle"/>
-          </a:ln>
-        </p:spPr>
-        <p:style>
-          <a:lnRef idx="1">
-            <a:schemeClr val="accent1"/>
-          </a:lnRef>
-          <a:fillRef idx="0">
-            <a:schemeClr val="accent1"/>
-          </a:fillRef>
-          <a:effectRef idx="0">
-            <a:schemeClr val="accent1"/>
-          </a:effectRef>
-          <a:fontRef idx="minor">
-            <a:schemeClr val="tx1"/>
-          </a:fontRef>
-        </p:style>
-      </p:cxnSp>
-      <p:sp>
-        <p:nvSpPr>
-          <p:cNvPr id="9" name="ZoneTexte 8">
-            <a:extLst>
-              <a:ext uri="{FF2B5EF4-FFF2-40B4-BE49-F238E27FC236}">
-                <a16:creationId xmlns:a16="http://schemas.microsoft.com/office/drawing/2014/main" xmlns="" id="{2330EFC9-B8B5-4AD3-B897-B22E63045650}"/>
-              </a:ext>
-            </a:extLst>
-          </p:cNvPr>
-          <p:cNvSpPr txBox="1"/>
-          <p:nvPr/>
-        </p:nvSpPr>
-        <p:spPr>
-          <a:xfrm>
-            <a:off x="3456535" y="3789040"/>
-            <a:ext cx="1403497" cy="369332"/>
-          </a:xfrm>
-          <a:prstGeom prst="rect">
-            <a:avLst/>
-          </a:prstGeom>
-          <a:noFill/>
-        </p:spPr>
-        <p:txBody>
-          <a:bodyPr wrap="square" rtlCol="0">
-            <a:spAutoFit/>
-          </a:bodyPr>
-          <a:lstStyle/>
-          <a:p>
-            <a:r>
-              <a:rPr lang="fr-FR" dirty="0">
-                <a:solidFill>
-                  <a:srgbClr val="FFC000"/>
-                </a:solidFill>
-              </a:rPr>
-              <a:t>Acidification</a:t>
-            </a:r>
-          </a:p>
-        </p:txBody>
-      </p:sp>
-      <p:sp>
-        <p:nvSpPr>
-          <p:cNvPr id="11" name="Titre 1"/>
-          <p:cNvSpPr>
-            <a:spLocks noGrp="1"/>
-          </p:cNvSpPr>
-          <p:nvPr>
-            <p:ph type="title"/>
-          </p:nvPr>
-        </p:nvSpPr>
-        <p:spPr>
-          <a:xfrm>
-            <a:off x="0" y="188640"/>
-            <a:ext cx="9144000" cy="634082"/>
-          </a:xfrm>
-        </p:spPr>
-        <p:txBody>
-          <a:bodyPr>
-            <a:normAutofit fontScale="90000"/>
-          </a:bodyPr>
-          <a:lstStyle/>
-          <a:p>
-            <a:r>
-              <a:rPr lang="fr-FR" dirty="0" smtClean="0">
-                <a:solidFill>
-                  <a:schemeClr val="accent2">
-                    <a:lumMod val="75000"/>
-                  </a:schemeClr>
-                </a:solidFill>
-              </a:rPr>
-              <a:t>pH de l’eau de mer</a:t>
-            </a:r>
-            <a:endParaRPr lang="fr-FR" dirty="0">
-              <a:solidFill>
-                <a:schemeClr val="accent2">
-                  <a:lumMod val="75000"/>
-                </a:schemeClr>
-              </a:solidFill>
-            </a:endParaRPr>
-          </a:p>
-        </p:txBody>
-      </p:sp>
-      <p:sp>
-        <p:nvSpPr>
-          <p:cNvPr id="12" name="ZoneTexte 11"/>
-          <p:cNvSpPr txBox="1"/>
-          <p:nvPr/>
-        </p:nvSpPr>
-        <p:spPr>
-          <a:xfrm>
-            <a:off x="5796136" y="3429000"/>
-            <a:ext cx="1296144" cy="307777"/>
-          </a:xfrm>
-          <a:prstGeom prst="rect">
-            <a:avLst/>
-          </a:prstGeom>
-          <a:solidFill>
-            <a:schemeClr val="bg1"/>
-          </a:solidFill>
-        </p:spPr>
-        <p:txBody>
-          <a:bodyPr wrap="square" rtlCol="0">
-            <a:spAutoFit/>
-          </a:bodyPr>
-          <a:lstStyle/>
-          <a:p>
-            <a:r>
-              <a:rPr lang="fr-FR" sz="1400" dirty="0" smtClean="0"/>
-              <a:t>CO</a:t>
-            </a:r>
-            <a:r>
-              <a:rPr lang="fr-FR" sz="1400" baseline="-25000" dirty="0" smtClean="0"/>
-              <a:t>2</a:t>
-            </a:r>
-            <a:r>
-              <a:rPr lang="fr-FR" sz="1400" dirty="0" smtClean="0"/>
-              <a:t> dissous</a:t>
-            </a:r>
-            <a:endParaRPr lang="fr-FR" sz="1400" dirty="0"/>
-          </a:p>
-        </p:txBody>
-      </p:sp>
-    </p:spTree>
-    <p:extLst>
-      <p:ext uri="{BB962C8B-B14F-4D97-AF65-F5344CB8AC3E}">
-        <p14:creationId xmlns:p14="http://schemas.microsoft.com/office/powerpoint/2010/main" val="503457817"/>
-      </p:ext>
-    </p:extLst>
   </p:cSld>
   <p:clrMapOvr>
     <a:masterClrMapping/>

--- a/Leçon chimie/LC 27/LC27 - Solubilité .pptx
+++ b/Leçon chimie/LC 27/LC27 - Solubilité .pptx
@@ -202,7 +202,7 @@
           <a:p>
             <a:fld id="{2AB5F492-2041-B34E-8173-BFEA3E3502D0}" type="datetimeFigureOut">
               <a:rPr lang="fr-FR" smtClean="0"/>
-              <a:t>22/06/20</a:t>
+              <a:t>26/06/20</a:t>
             </a:fld>
             <a:endParaRPr lang="fr-FR"/>
           </a:p>
@@ -735,7 +735,7 @@
           <a:p>
             <a:fld id="{97E1C215-69B1-4289-8E54-8813B9AAA70A}" type="datetimeFigureOut">
               <a:rPr lang="fr-FR" smtClean="0"/>
-              <a:t>22/06/20</a:t>
+              <a:t>26/06/20</a:t>
             </a:fld>
             <a:endParaRPr lang="fr-FR"/>
           </a:p>
@@ -900,7 +900,7 @@
           <a:p>
             <a:fld id="{97E1C215-69B1-4289-8E54-8813B9AAA70A}" type="datetimeFigureOut">
               <a:rPr lang="fr-FR" smtClean="0"/>
-              <a:t>22/06/20</a:t>
+              <a:t>26/06/20</a:t>
             </a:fld>
             <a:endParaRPr lang="fr-FR"/>
           </a:p>
@@ -1075,7 +1075,7 @@
           <a:p>
             <a:fld id="{97E1C215-69B1-4289-8E54-8813B9AAA70A}" type="datetimeFigureOut">
               <a:rPr lang="fr-FR" smtClean="0"/>
-              <a:t>22/06/20</a:t>
+              <a:t>26/06/20</a:t>
             </a:fld>
             <a:endParaRPr lang="fr-FR"/>
           </a:p>
@@ -1240,7 +1240,7 @@
           <a:p>
             <a:fld id="{97E1C215-69B1-4289-8E54-8813B9AAA70A}" type="datetimeFigureOut">
               <a:rPr lang="fr-FR" smtClean="0"/>
-              <a:t>22/06/20</a:t>
+              <a:t>26/06/20</a:t>
             </a:fld>
             <a:endParaRPr lang="fr-FR"/>
           </a:p>
@@ -1481,7 +1481,7 @@
           <a:p>
             <a:fld id="{97E1C215-69B1-4289-8E54-8813B9AAA70A}" type="datetimeFigureOut">
               <a:rPr lang="fr-FR" smtClean="0"/>
-              <a:t>22/06/20</a:t>
+              <a:t>26/06/20</a:t>
             </a:fld>
             <a:endParaRPr lang="fr-FR"/>
           </a:p>
@@ -1764,7 +1764,7 @@
           <a:p>
             <a:fld id="{97E1C215-69B1-4289-8E54-8813B9AAA70A}" type="datetimeFigureOut">
               <a:rPr lang="fr-FR" smtClean="0"/>
-              <a:t>22/06/20</a:t>
+              <a:t>26/06/20</a:t>
             </a:fld>
             <a:endParaRPr lang="fr-FR"/>
           </a:p>
@@ -2181,7 +2181,7 @@
           <a:p>
             <a:fld id="{97E1C215-69B1-4289-8E54-8813B9AAA70A}" type="datetimeFigureOut">
               <a:rPr lang="fr-FR" smtClean="0"/>
-              <a:t>22/06/20</a:t>
+              <a:t>26/06/20</a:t>
             </a:fld>
             <a:endParaRPr lang="fr-FR"/>
           </a:p>
@@ -2294,7 +2294,7 @@
           <a:p>
             <a:fld id="{97E1C215-69B1-4289-8E54-8813B9AAA70A}" type="datetimeFigureOut">
               <a:rPr lang="fr-FR" smtClean="0"/>
-              <a:t>22/06/20</a:t>
+              <a:t>26/06/20</a:t>
             </a:fld>
             <a:endParaRPr lang="fr-FR"/>
           </a:p>
@@ -2384,7 +2384,7 @@
           <a:p>
             <a:fld id="{97E1C215-69B1-4289-8E54-8813B9AAA70A}" type="datetimeFigureOut">
               <a:rPr lang="fr-FR" smtClean="0"/>
-              <a:t>22/06/20</a:t>
+              <a:t>26/06/20</a:t>
             </a:fld>
             <a:endParaRPr lang="fr-FR"/>
           </a:p>
@@ -2656,7 +2656,7 @@
           <a:p>
             <a:fld id="{97E1C215-69B1-4289-8E54-8813B9AAA70A}" type="datetimeFigureOut">
               <a:rPr lang="fr-FR" smtClean="0"/>
-              <a:t>22/06/20</a:t>
+              <a:t>26/06/20</a:t>
             </a:fld>
             <a:endParaRPr lang="fr-FR"/>
           </a:p>
@@ -2904,7 +2904,7 @@
           <a:p>
             <a:fld id="{97E1C215-69B1-4289-8E54-8813B9AAA70A}" type="datetimeFigureOut">
               <a:rPr lang="fr-FR" smtClean="0"/>
-              <a:t>22/06/20</a:t>
+              <a:t>26/06/20</a:t>
             </a:fld>
             <a:endParaRPr lang="fr-FR"/>
           </a:p>
@@ -3112,7 +3112,7 @@
           <a:p>
             <a:fld id="{97E1C215-69B1-4289-8E54-8813B9AAA70A}" type="datetimeFigureOut">
               <a:rPr lang="fr-FR" smtClean="0"/>
-              <a:t>22/06/20</a:t>
+              <a:t>26/06/20</a:t>
             </a:fld>
             <a:endParaRPr lang="fr-FR"/>
           </a:p>
@@ -3606,7 +3606,7 @@
           <p:cNvPr id="4" name="Rectangle 3">
             <a:extLst>
               <a:ext uri="{FF2B5EF4-FFF2-40B4-BE49-F238E27FC236}">
-                <a16:creationId xmlns="" xmlns:a16="http://schemas.microsoft.com/office/drawing/2014/main" id="{7BA93292-D737-4203-B599-CF1A73B3CCEA}"/>
+                <a16:creationId xmlns:a16="http://schemas.microsoft.com/office/drawing/2014/main" xmlns="" id="{7BA93292-D737-4203-B599-CF1A73B3CCEA}"/>
               </a:ext>
             </a:extLst>
           </p:cNvPr>
@@ -3730,7 +3730,7 @@
           <p:cNvPr id="8" name="Connecteur droit avec flèche 7">
             <a:extLst>
               <a:ext uri="{FF2B5EF4-FFF2-40B4-BE49-F238E27FC236}">
-                <a16:creationId xmlns="" xmlns:a16="http://schemas.microsoft.com/office/drawing/2014/main" id="{090B5CB9-E5B5-4C87-8C4D-AAC3A7A581D1}"/>
+                <a16:creationId xmlns:a16="http://schemas.microsoft.com/office/drawing/2014/main" xmlns="" id="{090B5CB9-E5B5-4C87-8C4D-AAC3A7A581D1}"/>
               </a:ext>
             </a:extLst>
           </p:cNvPr>
@@ -3772,7 +3772,7 @@
           <p:cNvPr id="9" name="ZoneTexte 8">
             <a:extLst>
               <a:ext uri="{FF2B5EF4-FFF2-40B4-BE49-F238E27FC236}">
-                <a16:creationId xmlns="" xmlns:a16="http://schemas.microsoft.com/office/drawing/2014/main" id="{2330EFC9-B8B5-4AD3-B897-B22E63045650}"/>
+                <a16:creationId xmlns:a16="http://schemas.microsoft.com/office/drawing/2014/main" xmlns="" id="{2330EFC9-B8B5-4AD3-B897-B22E63045650}"/>
               </a:ext>
             </a:extLst>
           </p:cNvPr>
@@ -3807,7 +3807,7 @@
           <p:cNvPr id="7" name="ZoneTexte 6">
             <a:extLst>
               <a:ext uri="{FF2B5EF4-FFF2-40B4-BE49-F238E27FC236}">
-                <a16:creationId xmlns="" xmlns:a16="http://schemas.microsoft.com/office/drawing/2014/main" id="{72F5124C-E5D4-4934-9043-6EEC2339E01F}"/>
+                <a16:creationId xmlns:a16="http://schemas.microsoft.com/office/drawing/2014/main" xmlns="" id="{72F5124C-E5D4-4934-9043-6EEC2339E01F}"/>
               </a:ext>
             </a:extLst>
           </p:cNvPr>
@@ -3910,7 +3910,7 @@
           <p:cNvPr id="5" name="ZoneTexte 4">
             <a:extLst>
               <a:ext uri="{FF2B5EF4-FFF2-40B4-BE49-F238E27FC236}">
-                <a16:creationId xmlns="" xmlns:a16="http://schemas.microsoft.com/office/drawing/2014/main" id="{44F3C7D2-8595-4B38-965D-4AE2AA460868}"/>
+                <a16:creationId xmlns:a16="http://schemas.microsoft.com/office/drawing/2014/main" xmlns="" id="{44F3C7D2-8595-4B38-965D-4AE2AA460868}"/>
               </a:ext>
             </a:extLst>
           </p:cNvPr>
@@ -3967,7 +3967,7 @@
           <p:cNvPr id="7" name="ZoneTexte 6">
             <a:extLst>
               <a:ext uri="{FF2B5EF4-FFF2-40B4-BE49-F238E27FC236}">
-                <a16:creationId xmlns="" xmlns:a16="http://schemas.microsoft.com/office/drawing/2014/main" id="{A796B349-8C3C-4C06-BE04-0453D02F0B01}"/>
+                <a16:creationId xmlns:a16="http://schemas.microsoft.com/office/drawing/2014/main" xmlns="" id="{A796B349-8C3C-4C06-BE04-0453D02F0B01}"/>
               </a:ext>
             </a:extLst>
           </p:cNvPr>
@@ -4377,7 +4377,7 @@
           <p:cNvPr id="4" name="Groupe 3">
             <a:extLst>
               <a:ext uri="{FF2B5EF4-FFF2-40B4-BE49-F238E27FC236}">
-                <a16:creationId xmlns="" xmlns:a16="http://schemas.microsoft.com/office/drawing/2014/main" id="{70A03493-A1E0-4B2E-8D5C-1D2C65C1948D}"/>
+                <a16:creationId xmlns:a16="http://schemas.microsoft.com/office/drawing/2014/main" xmlns="" id="{70A03493-A1E0-4B2E-8D5C-1D2C65C1948D}"/>
               </a:ext>
             </a:extLst>
           </p:cNvPr>
@@ -4397,7 +4397,7 @@
             <p:cNvPr id="5" name="Image 4">
               <a:extLst>
                 <a:ext uri="{FF2B5EF4-FFF2-40B4-BE49-F238E27FC236}">
-                  <a16:creationId xmlns="" xmlns:a16="http://schemas.microsoft.com/office/drawing/2014/main" id="{F16B2906-B16C-4F33-A743-ECB458718F0B}"/>
+                  <a16:creationId xmlns:a16="http://schemas.microsoft.com/office/drawing/2014/main" xmlns="" id="{F16B2906-B16C-4F33-A743-ECB458718F0B}"/>
                 </a:ext>
               </a:extLst>
             </p:cNvPr>
@@ -4433,7 +4433,7 @@
             <p:cNvPr id="6" name="Rectangle 5">
               <a:extLst>
                 <a:ext uri="{FF2B5EF4-FFF2-40B4-BE49-F238E27FC236}">
-                  <a16:creationId xmlns="" xmlns:a16="http://schemas.microsoft.com/office/drawing/2014/main" id="{A39CE8E1-0421-4C61-AE80-8B056EA34758}"/>
+                  <a16:creationId xmlns:a16="http://schemas.microsoft.com/office/drawing/2014/main" xmlns="" id="{A39CE8E1-0421-4C61-AE80-8B056EA34758}"/>
                 </a:ext>
               </a:extLst>
             </p:cNvPr>
@@ -4486,7 +4486,7 @@
           <p:cNvPr id="7" name="Groupe 6">
             <a:extLst>
               <a:ext uri="{FF2B5EF4-FFF2-40B4-BE49-F238E27FC236}">
-                <a16:creationId xmlns="" xmlns:a16="http://schemas.microsoft.com/office/drawing/2014/main" id="{E6246E64-C2A5-41F1-B582-658A7D9C57EF}"/>
+                <a16:creationId xmlns:a16="http://schemas.microsoft.com/office/drawing/2014/main" xmlns="" id="{E6246E64-C2A5-41F1-B582-658A7D9C57EF}"/>
               </a:ext>
             </a:extLst>
           </p:cNvPr>
@@ -4506,7 +4506,7 @@
             <p:cNvPr id="8" name="Image 7">
               <a:extLst>
                 <a:ext uri="{FF2B5EF4-FFF2-40B4-BE49-F238E27FC236}">
-                  <a16:creationId xmlns="" xmlns:a16="http://schemas.microsoft.com/office/drawing/2014/main" id="{6A681126-B555-4E7B-AB74-1C1B2B1F67B0}"/>
+                  <a16:creationId xmlns:a16="http://schemas.microsoft.com/office/drawing/2014/main" xmlns="" id="{6A681126-B555-4E7B-AB74-1C1B2B1F67B0}"/>
                 </a:ext>
               </a:extLst>
             </p:cNvPr>
@@ -4542,7 +4542,7 @@
             <p:cNvPr id="9" name="Rectangle 8">
               <a:extLst>
                 <a:ext uri="{FF2B5EF4-FFF2-40B4-BE49-F238E27FC236}">
-                  <a16:creationId xmlns="" xmlns:a16="http://schemas.microsoft.com/office/drawing/2014/main" id="{E6809562-9AFE-4434-81DF-5F1704D9F8D9}"/>
+                  <a16:creationId xmlns:a16="http://schemas.microsoft.com/office/drawing/2014/main" xmlns="" id="{E6809562-9AFE-4434-81DF-5F1704D9F8D9}"/>
                 </a:ext>
               </a:extLst>
             </p:cNvPr>
@@ -4595,7 +4595,7 @@
           <p:cNvPr id="10" name="ZoneTexte 9">
             <a:extLst>
               <a:ext uri="{FF2B5EF4-FFF2-40B4-BE49-F238E27FC236}">
-                <a16:creationId xmlns="" xmlns:a16="http://schemas.microsoft.com/office/drawing/2014/main" id="{A4503632-9CE6-4232-9D91-DE4FECDA5BBB}"/>
+                <a16:creationId xmlns:a16="http://schemas.microsoft.com/office/drawing/2014/main" xmlns="" id="{A4503632-9CE6-4232-9D91-DE4FECDA5BBB}"/>
               </a:ext>
             </a:extLst>
           </p:cNvPr>
@@ -4650,7 +4650,7 @@
           <p:cNvPr id="11" name="ZoneTexte 10">
             <a:extLst>
               <a:ext uri="{FF2B5EF4-FFF2-40B4-BE49-F238E27FC236}">
-                <a16:creationId xmlns="" xmlns:a16="http://schemas.microsoft.com/office/drawing/2014/main" id="{F352E99F-FFD1-4320-BAB4-C2AE013741D7}"/>
+                <a16:creationId xmlns:a16="http://schemas.microsoft.com/office/drawing/2014/main" xmlns="" id="{F352E99F-FFD1-4320-BAB4-C2AE013741D7}"/>
               </a:ext>
             </a:extLst>
           </p:cNvPr>
@@ -4705,7 +4705,7 @@
           <p:cNvPr id="12" name="ZoneTexte 11">
             <a:extLst>
               <a:ext uri="{FF2B5EF4-FFF2-40B4-BE49-F238E27FC236}">
-                <a16:creationId xmlns="" xmlns:a16="http://schemas.microsoft.com/office/drawing/2014/main" id="{6CDBB032-BFC4-45FD-B605-7789CA14D016}"/>
+                <a16:creationId xmlns:a16="http://schemas.microsoft.com/office/drawing/2014/main" xmlns="" id="{6CDBB032-BFC4-45FD-B605-7789CA14D016}"/>
               </a:ext>
             </a:extLst>
           </p:cNvPr>
@@ -4828,7 +4828,7 @@
           <p:cNvPr id="5" name="Espace réservé du contenu 12">
             <a:extLst>
               <a:ext uri="{FF2B5EF4-FFF2-40B4-BE49-F238E27FC236}">
-                <a16:creationId xmlns="" xmlns:a16="http://schemas.microsoft.com/office/drawing/2014/main" id="{4B05A351-FF36-44E7-B877-E358231424A4}"/>
+                <a16:creationId xmlns:a16="http://schemas.microsoft.com/office/drawing/2014/main" xmlns="" id="{4B05A351-FF36-44E7-B877-E358231424A4}"/>
               </a:ext>
             </a:extLst>
           </p:cNvPr>
@@ -4863,7 +4863,7 @@
           <p:cNvPr id="6" name="ZoneTexte 5">
             <a:extLst>
               <a:ext uri="{FF2B5EF4-FFF2-40B4-BE49-F238E27FC236}">
-                <a16:creationId xmlns="" xmlns:a16="http://schemas.microsoft.com/office/drawing/2014/main" id="{EB2F41E2-3FC3-419E-B468-ECEEE3648B1F}"/>
+                <a16:creationId xmlns:a16="http://schemas.microsoft.com/office/drawing/2014/main" xmlns="" id="{EB2F41E2-3FC3-419E-B468-ECEEE3648B1F}"/>
               </a:ext>
             </a:extLst>
           </p:cNvPr>
@@ -5226,7 +5226,7 @@
           <p:cNvPr id="2" name="Titre 1">
             <a:extLst>
               <a:ext uri="{FF2B5EF4-FFF2-40B4-BE49-F238E27FC236}">
-                <a16:creationId xmlns="" xmlns:a16="http://schemas.microsoft.com/office/drawing/2014/main" id="{F362C895-2D91-41F6-8F9F-5350AE8096F2}"/>
+                <a16:creationId xmlns:a16="http://schemas.microsoft.com/office/drawing/2014/main" xmlns="" id="{F362C895-2D91-41F6-8F9F-5350AE8096F2}"/>
               </a:ext>
             </a:extLst>
           </p:cNvPr>
@@ -5262,7 +5262,7 @@
           <p:cNvPr id="4" name="Espace réservé du numéro de diapositive 3">
             <a:extLst>
               <a:ext uri="{FF2B5EF4-FFF2-40B4-BE49-F238E27FC236}">
-                <a16:creationId xmlns="" xmlns:a16="http://schemas.microsoft.com/office/drawing/2014/main" id="{F0C405D1-6B07-4F81-806B-1809C7E3D18B}"/>
+                <a16:creationId xmlns:a16="http://schemas.microsoft.com/office/drawing/2014/main" xmlns="" id="{F0C405D1-6B07-4F81-806B-1809C7E3D18B}"/>
               </a:ext>
             </a:extLst>
           </p:cNvPr>
@@ -5291,7 +5291,7 @@
           <p:cNvPr id="8" name="Picture 2" descr="RÃ©sultat de recherche d'images pour &quot;schÃ©ma dosage pH mÃ©trique&quot;">
             <a:extLst>
               <a:ext uri="{FF2B5EF4-FFF2-40B4-BE49-F238E27FC236}">
-                <a16:creationId xmlns="" xmlns:a16="http://schemas.microsoft.com/office/drawing/2014/main" id="{4A4BB564-CC8C-478C-9CB8-ED422947562A}"/>
+                <a16:creationId xmlns:a16="http://schemas.microsoft.com/office/drawing/2014/main" xmlns="" id="{4A4BB564-CC8C-478C-9CB8-ED422947562A}"/>
               </a:ext>
             </a:extLst>
           </p:cNvPr>
@@ -5338,7 +5338,7 @@
           <p:cNvPr id="16" name="Grouper 444">
             <a:extLst>
               <a:ext uri="{FF2B5EF4-FFF2-40B4-BE49-F238E27FC236}">
-                <a16:creationId xmlns="" xmlns:a16="http://schemas.microsoft.com/office/drawing/2014/main" id="{AEC54AE2-A3C9-4E44-BA7F-082F3ECED6F3}"/>
+                <a16:creationId xmlns:a16="http://schemas.microsoft.com/office/drawing/2014/main" xmlns="" id="{AEC54AE2-A3C9-4E44-BA7F-082F3ECED6F3}"/>
               </a:ext>
             </a:extLst>
           </p:cNvPr>
@@ -5358,7 +5358,7 @@
             <p:cNvPr id="17" name="Arrondir un rectangle avec un coin du même côté 49">
               <a:extLst>
                 <a:ext uri="{FF2B5EF4-FFF2-40B4-BE49-F238E27FC236}">
-                  <a16:creationId xmlns="" xmlns:a16="http://schemas.microsoft.com/office/drawing/2014/main" id="{32ABA185-F8B3-48A5-B263-9F580B14ECF3}"/>
+                  <a16:creationId xmlns:a16="http://schemas.microsoft.com/office/drawing/2014/main" xmlns="" id="{32ABA185-F8B3-48A5-B263-9F580B14ECF3}"/>
                 </a:ext>
               </a:extLst>
             </p:cNvPr>
@@ -5419,7 +5419,7 @@
             <p:cNvPr id="18" name="Grouper 441">
               <a:extLst>
                 <a:ext uri="{FF2B5EF4-FFF2-40B4-BE49-F238E27FC236}">
-                  <a16:creationId xmlns="" xmlns:a16="http://schemas.microsoft.com/office/drawing/2014/main" id="{879151D6-946F-4ECA-8E97-D55D9DB7DC66}"/>
+                  <a16:creationId xmlns:a16="http://schemas.microsoft.com/office/drawing/2014/main" xmlns="" id="{879151D6-946F-4ECA-8E97-D55D9DB7DC66}"/>
                 </a:ext>
               </a:extLst>
             </p:cNvPr>
@@ -5439,7 +5439,7 @@
               <p:cNvPr id="19" name="Arrondir un rectangle avec un coin du même côté 442">
                 <a:extLst>
                   <a:ext uri="{FF2B5EF4-FFF2-40B4-BE49-F238E27FC236}">
-                    <a16:creationId xmlns="" xmlns:a16="http://schemas.microsoft.com/office/drawing/2014/main" id="{EEB39DA7-20AC-405C-87A7-17DF97D14098}"/>
+                    <a16:creationId xmlns:a16="http://schemas.microsoft.com/office/drawing/2014/main" xmlns="" id="{EEB39DA7-20AC-405C-87A7-17DF97D14098}"/>
                   </a:ext>
                 </a:extLst>
               </p:cNvPr>
@@ -5494,7 +5494,7 @@
               <p:cNvPr id="20" name="Rectangle 19">
                 <a:extLst>
                   <a:ext uri="{FF2B5EF4-FFF2-40B4-BE49-F238E27FC236}">
-                    <a16:creationId xmlns="" xmlns:a16="http://schemas.microsoft.com/office/drawing/2014/main" id="{3E9CF19E-3512-4DDC-9C5A-8A730EEF2EEA}"/>
+                    <a16:creationId xmlns:a16="http://schemas.microsoft.com/office/drawing/2014/main" xmlns="" id="{3E9CF19E-3512-4DDC-9C5A-8A730EEF2EEA}"/>
                   </a:ext>
                 </a:extLst>
               </p:cNvPr>
@@ -5553,7 +5553,7 @@
           <p:cNvPr id="21" name="Forme libre 1">
             <a:extLst>
               <a:ext uri="{FF2B5EF4-FFF2-40B4-BE49-F238E27FC236}">
-                <a16:creationId xmlns="" xmlns:a16="http://schemas.microsoft.com/office/drawing/2014/main" id="{F5B26606-95CD-4026-8BBD-1F37D70A8AB4}"/>
+                <a16:creationId xmlns:a16="http://schemas.microsoft.com/office/drawing/2014/main" xmlns="" id="{F5B26606-95CD-4026-8BBD-1F37D70A8AB4}"/>
               </a:ext>
             </a:extLst>
           </p:cNvPr>
@@ -7273,7 +7273,7 @@
           <p:cNvPr id="22" name="Forme libre 1">
             <a:extLst>
               <a:ext uri="{FF2B5EF4-FFF2-40B4-BE49-F238E27FC236}">
-                <a16:creationId xmlns="" xmlns:a16="http://schemas.microsoft.com/office/drawing/2014/main" id="{4DC4D77A-16A4-439B-9399-0FB2A93DAFBD}"/>
+                <a16:creationId xmlns:a16="http://schemas.microsoft.com/office/drawing/2014/main" xmlns="" id="{4DC4D77A-16A4-439B-9399-0FB2A93DAFBD}"/>
               </a:ext>
             </a:extLst>
           </p:cNvPr>
@@ -8993,7 +8993,7 @@
           <p:cNvPr id="23" name="Triangle isocèle 22">
             <a:extLst>
               <a:ext uri="{FF2B5EF4-FFF2-40B4-BE49-F238E27FC236}">
-                <a16:creationId xmlns="" xmlns:a16="http://schemas.microsoft.com/office/drawing/2014/main" id="{3B5CE0DF-C14D-485B-BDE7-9EA3B63A3FF9}"/>
+                <a16:creationId xmlns:a16="http://schemas.microsoft.com/office/drawing/2014/main" xmlns="" id="{3B5CE0DF-C14D-485B-BDE7-9EA3B63A3FF9}"/>
               </a:ext>
             </a:extLst>
           </p:cNvPr>
@@ -9049,7 +9049,7 @@
           <p:cNvPr id="24" name="Flèche : demi-tour 23">
             <a:extLst>
               <a:ext uri="{FF2B5EF4-FFF2-40B4-BE49-F238E27FC236}">
-                <a16:creationId xmlns="" xmlns:a16="http://schemas.microsoft.com/office/drawing/2014/main" id="{ADE0E6AF-D5E6-45CF-8A2A-488544A770EF}"/>
+                <a16:creationId xmlns:a16="http://schemas.microsoft.com/office/drawing/2014/main" xmlns="" id="{ADE0E6AF-D5E6-45CF-8A2A-488544A770EF}"/>
               </a:ext>
             </a:extLst>
           </p:cNvPr>
@@ -9115,7 +9115,7 @@
               <p:cNvPr id="25" name="ZoneTexte 24">
                 <a:extLst>
                   <a:ext uri="{FF2B5EF4-FFF2-40B4-BE49-F238E27FC236}">
-                    <a16:creationId xmlns="" xmlns:a16="http://schemas.microsoft.com/office/drawing/2014/main" id="{2E6C1861-FE6C-4103-B53F-C22BABC941D3}"/>
+                    <a16:creationId xmlns:a16="http://schemas.microsoft.com/office/drawing/2014/main" xmlns="" id="{2E6C1861-FE6C-4103-B53F-C22BABC941D3}"/>
                   </a:ext>
                 </a:extLst>
               </p:cNvPr>
@@ -9143,7 +9143,7 @@
                   <a:t>Prélèvement de </a:t>
                 </a:r>
                 <a14:m>
-                  <m:oMath xmlns="" xmlns:m="http://schemas.openxmlformats.org/officeDocument/2006/math">
+                  <m:oMath xmlns:m="http://schemas.openxmlformats.org/officeDocument/2006/math" xmlns="">
                     <m:r>
                       <a:rPr lang="fr-FR" b="0" i="1" smtClean="0">
                         <a:latin typeface="Cambria Math" panose="02040503050406030204" pitchFamily="18" charset="0"/>
@@ -9225,7 +9225,7 @@
           <p:cNvPr id="3" name="ZoneTexte 2">
             <a:extLst>
               <a:ext uri="{FF2B5EF4-FFF2-40B4-BE49-F238E27FC236}">
-                <a16:creationId xmlns="" xmlns:a16="http://schemas.microsoft.com/office/drawing/2014/main" id="{9CF70585-0416-4B79-AB97-D40AF367324E}"/>
+                <a16:creationId xmlns:a16="http://schemas.microsoft.com/office/drawing/2014/main" xmlns="" id="{9CF70585-0416-4B79-AB97-D40AF367324E}"/>
               </a:ext>
             </a:extLst>
           </p:cNvPr>
@@ -9306,11 +9306,7 @@
             </a:r>
             <a:r>
               <a:rPr lang="fr-FR" dirty="0" smtClean="0"/>
-              <a:t>, C</a:t>
-            </a:r>
-            <a:r>
-              <a:rPr lang="fr-FR" dirty="0" smtClean="0"/>
-              <a:t>=1x10</a:t>
+              <a:t>, C=1x10</a:t>
             </a:r>
             <a:r>
               <a:rPr lang="fr-FR" baseline="30000" dirty="0" smtClean="0"/>
@@ -10724,7 +10720,7 @@
           <p:cNvPr id="11" name="Groupe 21">
             <a:extLst>
               <a:ext uri="{FF2B5EF4-FFF2-40B4-BE49-F238E27FC236}">
-                <a16:creationId xmlns="" xmlns:a16="http://schemas.microsoft.com/office/drawing/2014/main" id="{153FE792-C093-4A53-BAD6-76B60367CE28}"/>
+                <a16:creationId xmlns:a16="http://schemas.microsoft.com/office/drawing/2014/main" xmlns="" id="{153FE792-C093-4A53-BAD6-76B60367CE28}"/>
               </a:ext>
             </a:extLst>
           </p:cNvPr>
@@ -10744,7 +10740,7 @@
             <p:cNvPr id="12" name="Rectangle : coins arrondis 22">
               <a:extLst>
                 <a:ext uri="{FF2B5EF4-FFF2-40B4-BE49-F238E27FC236}">
-                  <a16:creationId xmlns="" xmlns:a16="http://schemas.microsoft.com/office/drawing/2014/main" id="{22F2C46D-8850-4CE3-826B-D4FA1B767C09}"/>
+                  <a16:creationId xmlns:a16="http://schemas.microsoft.com/office/drawing/2014/main" xmlns="" id="{22F2C46D-8850-4CE3-826B-D4FA1B767C09}"/>
                 </a:ext>
               </a:extLst>
             </p:cNvPr>
@@ -10797,7 +10793,7 @@
             <p:cNvPr id="13" name="Rectangle 12">
               <a:extLst>
                 <a:ext uri="{FF2B5EF4-FFF2-40B4-BE49-F238E27FC236}">
-                  <a16:creationId xmlns="" xmlns:a16="http://schemas.microsoft.com/office/drawing/2014/main" id="{DFDAC9C4-1E30-490E-9CB4-965B1F43AFE8}"/>
+                  <a16:creationId xmlns:a16="http://schemas.microsoft.com/office/drawing/2014/main" xmlns="" id="{DFDAC9C4-1E30-490E-9CB4-965B1F43AFE8}"/>
                 </a:ext>
               </a:extLst>
             </p:cNvPr>
@@ -10850,7 +10846,7 @@
           <p:cNvPr id="15" name="Rectangle : avec coins arrondis en haut 5">
             <a:extLst>
               <a:ext uri="{FF2B5EF4-FFF2-40B4-BE49-F238E27FC236}">
-                <a16:creationId xmlns="" xmlns:a16="http://schemas.microsoft.com/office/drawing/2014/main" id="{0644D822-4E85-4FFB-9E15-B5479B87492A}"/>
+                <a16:creationId xmlns:a16="http://schemas.microsoft.com/office/drawing/2014/main" xmlns="" id="{0644D822-4E85-4FFB-9E15-B5479B87492A}"/>
               </a:ext>
             </a:extLst>
           </p:cNvPr>
@@ -10907,7 +10903,7 @@
           <p:cNvPr id="17" name="ZoneTexte 16">
             <a:extLst>
               <a:ext uri="{FF2B5EF4-FFF2-40B4-BE49-F238E27FC236}">
-                <a16:creationId xmlns="" xmlns:a16="http://schemas.microsoft.com/office/drawing/2014/main" id="{3C889E1B-1083-44FA-8F35-0CA2D6BD649F}"/>
+                <a16:creationId xmlns:a16="http://schemas.microsoft.com/office/drawing/2014/main" xmlns="" id="{3C889E1B-1083-44FA-8F35-0CA2D6BD649F}"/>
               </a:ext>
             </a:extLst>
           </p:cNvPr>
@@ -11028,7 +11024,7 @@
           <p:cNvPr id="14" name="Image 13">
             <a:extLst>
               <a:ext uri="{FF2B5EF4-FFF2-40B4-BE49-F238E27FC236}">
-                <a16:creationId xmlns="" xmlns:a16="http://schemas.microsoft.com/office/drawing/2014/main" id="{A19A00EC-7ABB-4B18-88AC-3747D1621C6B}"/>
+                <a16:creationId xmlns:a16="http://schemas.microsoft.com/office/drawing/2014/main" xmlns="" id="{A19A00EC-7ABB-4B18-88AC-3747D1621C6B}"/>
               </a:ext>
             </a:extLst>
           </p:cNvPr>
@@ -11058,7 +11054,7 @@
           <p:cNvPr id="16" name="Forme libre : forme 6">
             <a:extLst>
               <a:ext uri="{FF2B5EF4-FFF2-40B4-BE49-F238E27FC236}">
-                <a16:creationId xmlns="" xmlns:a16="http://schemas.microsoft.com/office/drawing/2014/main" id="{779B14F4-7FF1-4290-A4F1-308C17734AB9}"/>
+                <a16:creationId xmlns:a16="http://schemas.microsoft.com/office/drawing/2014/main" xmlns="" id="{779B14F4-7FF1-4290-A4F1-308C17734AB9}"/>
               </a:ext>
             </a:extLst>
           </p:cNvPr>
@@ -11501,12 +11497,12 @@
           <a:graphicData uri="http://schemas.openxmlformats.org/presentationml/2006/ole">
             <mc:AlternateContent xmlns:mc="http://schemas.openxmlformats.org/markup-compatibility/2006">
               <mc:Choice xmlns:v="urn:schemas-microsoft-com:vml" Requires="v">
-                <p:oleObj spid="_x0000_s1032" name="Document" r:id="rId4" imgW="5727700" imgH="520700" progId="Word.Document.12">
+                <p:oleObj spid="_x0000_s1034" name="Document" r:id="rId5" imgW="5727700" imgH="520700" progId="Word.Document.12">
                   <p:embed/>
                 </p:oleObj>
               </mc:Choice>
               <mc:Fallback>
-                <p:oleObj name="Document" r:id="rId4" imgW="5727700" imgH="520700" progId="Word.Document.12">
+                <p:oleObj name="Document" r:id="rId5" imgW="5727700" imgH="520700" progId="Word.Document.12">
                   <p:embed/>
                   <p:pic>
                     <p:nvPicPr>
@@ -11515,7 +11511,7 @@
                       <p:nvPr/>
                     </p:nvPicPr>
                     <p:blipFill>
-                      <a:blip r:embed="rId5"/>
+                      <a:blip r:embed="rId6"/>
                       <a:stretch>
                         <a:fillRect/>
                       </a:stretch>
@@ -12179,7 +12175,7 @@
           <p:cNvPr id="6" name="Espace réservé du contenu 6">
             <a:extLst>
               <a:ext uri="{FF2B5EF4-FFF2-40B4-BE49-F238E27FC236}">
-                <a16:creationId xmlns="" xmlns:a16="http://schemas.microsoft.com/office/drawing/2014/main" id="{AA05C4A7-8BE3-40C7-9111-93C2CB4DFFC5}"/>
+                <a16:creationId xmlns:a16="http://schemas.microsoft.com/office/drawing/2014/main" xmlns="" id="{AA05C4A7-8BE3-40C7-9111-93C2CB4DFFC5}"/>
               </a:ext>
             </a:extLst>
           </p:cNvPr>
@@ -12197,7 +12193,7 @@
                 <a14:useLocalDpi xmlns:a14="http://schemas.microsoft.com/office/drawing/2010/main" val="0"/>
               </a:ext>
               <a:ext uri="{96DAC541-7B7A-43D3-8B79-37D633B846F1}">
-                <asvg:svgBlip xmlns="" xmlns:asvg="http://schemas.microsoft.com/office/drawing/2016/SVG/main" r:embed="rId4"/>
+                <asvg:svgBlip xmlns:asvg="http://schemas.microsoft.com/office/drawing/2016/SVG/main" xmlns="" r:embed="rId4"/>
               </a:ext>
             </a:extLst>
           </a:blip>
